--- a/Websockets.pptx
+++ b/Websockets.pptx
@@ -5,21 +5,22 @@
     <p:sldMasterId id="2147483660" r:id="rId1"/>
   </p:sldMasterIdLst>
   <p:notesMasterIdLst>
-    <p:notesMasterId r:id="rId14"/>
+    <p:notesMasterId r:id="rId15"/>
   </p:notesMasterIdLst>
   <p:sldIdLst>
     <p:sldId id="256" r:id="rId2"/>
     <p:sldId id="257" r:id="rId3"/>
     <p:sldId id="258" r:id="rId4"/>
-    <p:sldId id="261" r:id="rId5"/>
-    <p:sldId id="259" r:id="rId6"/>
-    <p:sldId id="266" r:id="rId7"/>
-    <p:sldId id="262" r:id="rId8"/>
-    <p:sldId id="265" r:id="rId9"/>
-    <p:sldId id="267" r:id="rId10"/>
-    <p:sldId id="260" r:id="rId11"/>
-    <p:sldId id="264" r:id="rId12"/>
-    <p:sldId id="263" r:id="rId13"/>
+    <p:sldId id="268" r:id="rId5"/>
+    <p:sldId id="261" r:id="rId6"/>
+    <p:sldId id="259" r:id="rId7"/>
+    <p:sldId id="266" r:id="rId8"/>
+    <p:sldId id="262" r:id="rId9"/>
+    <p:sldId id="265" r:id="rId10"/>
+    <p:sldId id="267" r:id="rId11"/>
+    <p:sldId id="260" r:id="rId12"/>
+    <p:sldId id="264" r:id="rId13"/>
+    <p:sldId id="263" r:id="rId14"/>
   </p:sldIdLst>
   <p:sldSz cx="9144000" cy="6858000" type="screen4x3"/>
   <p:notesSz cx="6858000" cy="9144000"/>
@@ -203,7 +204,7 @@
           <a:p>
             <a:fld id="{227F0A1D-B804-437A-8748-0EACE37D1D13}" type="datetimeFigureOut">
               <a:rPr lang="pt-BR" smtClean="0"/>
-              <a:t>03/10/2016</a:t>
+              <a:t>06/10/2016</a:t>
             </a:fld>
             <a:endParaRPr lang="pt-BR"/>
           </a:p>
@@ -3975,7 +3976,7 @@
           <a:p>
             <a:r>
               <a:rPr lang="pt-BR" dirty="0" smtClean="0"/>
-              <a:t>Suporte e implementações</a:t>
+              <a:t>Segurança</a:t>
             </a:r>
             <a:endParaRPr lang="pt-BR" dirty="0"/>
           </a:p>
@@ -3993,75 +3994,291 @@
         </p:nvSpPr>
         <p:spPr/>
         <p:txBody>
-          <a:bodyPr/>
-          <a:lstStyle/>
-          <a:p>
-            <a:r>
-              <a:rPr lang="pt-BR" dirty="0" smtClean="0"/>
-              <a:t>A maioria dos browsers modernos – Chrome, Firefox, Edge, IE, Opera, Safari</a:t>
-            </a:r>
-          </a:p>
-          <a:p>
-            <a:r>
-              <a:rPr lang="pt-BR" dirty="0" smtClean="0"/>
-              <a:t>Servidor</a:t>
-            </a:r>
+          <a:bodyPr>
+            <a:normAutofit/>
+          </a:bodyPr>
+          <a:lstStyle/>
+          <a:p>
+            <a:r>
+              <a:rPr lang="en-US" dirty="0" err="1" smtClean="0"/>
+              <a:t>Modelo</a:t>
+            </a:r>
+            <a:r>
+              <a:rPr lang="en-US" dirty="0" smtClean="0"/>
+              <a:t> de </a:t>
+            </a:r>
+            <a:r>
+              <a:rPr lang="en-US" dirty="0" err="1" smtClean="0"/>
+              <a:t>origem</a:t>
+            </a:r>
+            <a:endParaRPr lang="en-US" dirty="0"/>
           </a:p>
           <a:p>
             <a:pPr lvl="1"/>
             <a:r>
-              <a:rPr lang="pt-BR" dirty="0" smtClean="0"/>
-              <a:t>Node.js – ws, websocket, nodejs-websocket, socket.io, ...</a:t>
+              <a:rPr lang="en-US" dirty="0" err="1" smtClean="0"/>
+              <a:t>Muito</a:t>
+            </a:r>
+            <a:r>
+              <a:rPr lang="en-US" dirty="0" smtClean="0"/>
+              <a:t> </a:t>
+            </a:r>
+            <a:r>
+              <a:rPr lang="en-US" dirty="0" err="1" smtClean="0"/>
+              <a:t>útil</a:t>
+            </a:r>
+            <a:r>
+              <a:rPr lang="en-US" dirty="0" smtClean="0"/>
+              <a:t> </a:t>
+            </a:r>
+            <a:r>
+              <a:rPr lang="en-US" dirty="0" err="1" smtClean="0"/>
+              <a:t>para</a:t>
+            </a:r>
+            <a:r>
+              <a:rPr lang="en-US" dirty="0" smtClean="0"/>
+              <a:t> browsers</a:t>
             </a:r>
           </a:p>
           <a:p>
             <a:pPr lvl="1"/>
             <a:r>
-              <a:rPr lang="pt-BR" dirty="0" smtClean="0"/>
-              <a:t>Java – Incluído na especificação JavaEE 7- JSR356</a:t>
+              <a:rPr lang="en-US" dirty="0" err="1" smtClean="0"/>
+              <a:t>Inútil</a:t>
+            </a:r>
+            <a:r>
+              <a:rPr lang="en-US" dirty="0"/>
+              <a:t> </a:t>
+            </a:r>
+            <a:r>
+              <a:rPr lang="en-US" dirty="0" err="1" smtClean="0"/>
+              <a:t>para</a:t>
+            </a:r>
+            <a:r>
+              <a:rPr lang="en-US" dirty="0" smtClean="0"/>
+              <a:t> </a:t>
+            </a:r>
+            <a:r>
+              <a:rPr lang="en-US" dirty="0" err="1" smtClean="0"/>
+              <a:t>clientes</a:t>
+            </a:r>
+            <a:r>
+              <a:rPr lang="en-US" dirty="0" smtClean="0"/>
+              <a:t> </a:t>
+            </a:r>
+            <a:r>
+              <a:rPr lang="en-US" dirty="0" err="1" smtClean="0"/>
+              <a:t>dedicados</a:t>
+            </a:r>
+            <a:endParaRPr lang="en-US" dirty="0" smtClean="0"/>
+          </a:p>
+          <a:p>
+            <a:r>
+              <a:rPr lang="en-US" dirty="0" err="1" smtClean="0"/>
+              <a:t>Falha</a:t>
+            </a:r>
+            <a:r>
+              <a:rPr lang="en-US" dirty="0" smtClean="0"/>
+              <a:t> </a:t>
+            </a:r>
+            <a:r>
+              <a:rPr lang="en-US" dirty="0" err="1" smtClean="0"/>
+              <a:t>ao</a:t>
+            </a:r>
+            <a:r>
+              <a:rPr lang="en-US" dirty="0" smtClean="0"/>
+              <a:t> se </a:t>
+            </a:r>
+            <a:r>
+              <a:rPr lang="en-US" dirty="0" err="1" smtClean="0"/>
+              <a:t>tentar</a:t>
+            </a:r>
+            <a:r>
+              <a:rPr lang="en-US" dirty="0" smtClean="0"/>
+              <a:t> </a:t>
+            </a:r>
+            <a:r>
+              <a:rPr lang="en-US" dirty="0" err="1" smtClean="0"/>
+              <a:t>conectar</a:t>
+            </a:r>
+            <a:r>
+              <a:rPr lang="en-US" dirty="0" smtClean="0"/>
+              <a:t> com um </a:t>
+            </a:r>
+            <a:r>
+              <a:rPr lang="en-US" dirty="0" err="1" smtClean="0"/>
+              <a:t>servidor</a:t>
+            </a:r>
+            <a:r>
+              <a:rPr lang="en-US" dirty="0" smtClean="0"/>
+              <a:t> </a:t>
+            </a:r>
+            <a:r>
+              <a:rPr lang="en-US" dirty="0" err="1" smtClean="0"/>
+              <a:t>que</a:t>
+            </a:r>
+            <a:r>
+              <a:rPr lang="en-US" dirty="0" smtClean="0"/>
+              <a:t> </a:t>
+            </a:r>
+            <a:r>
+              <a:rPr lang="en-US" dirty="0" err="1" smtClean="0"/>
+              <a:t>não</a:t>
+            </a:r>
+            <a:r>
+              <a:rPr lang="en-US" dirty="0" smtClean="0"/>
+              <a:t> </a:t>
+            </a:r>
+            <a:r>
+              <a:rPr lang="en-US" dirty="0" err="1" smtClean="0"/>
+              <a:t>seja</a:t>
+            </a:r>
+            <a:r>
+              <a:rPr lang="en-US" dirty="0" smtClean="0"/>
+              <a:t> de </a:t>
+            </a:r>
+            <a:r>
+              <a:rPr lang="en-US" dirty="0" err="1" smtClean="0"/>
+              <a:t>Websocket</a:t>
+            </a:r>
+            <a:endParaRPr lang="en-US" dirty="0" smtClean="0"/>
+          </a:p>
+          <a:p>
+            <a:r>
+              <a:rPr lang="en-US" dirty="0" err="1" smtClean="0"/>
+              <a:t>Cabeçalhos</a:t>
+            </a:r>
+            <a:r>
+              <a:rPr lang="en-US" dirty="0" smtClean="0"/>
+              <a:t> Sec-* no </a:t>
+            </a:r>
+            <a:r>
+              <a:rPr lang="en-US" dirty="0" err="1" smtClean="0"/>
+              <a:t>cabeçalho</a:t>
+            </a:r>
+            <a:r>
+              <a:rPr lang="en-US" dirty="0" smtClean="0"/>
+              <a:t> do </a:t>
+            </a:r>
+            <a:r>
+              <a:rPr lang="en-US" dirty="0" err="1" smtClean="0"/>
+              <a:t>cliente</a:t>
+            </a:r>
+            <a:r>
+              <a:rPr lang="en-US" dirty="0" smtClean="0"/>
+              <a:t> </a:t>
             </a:r>
           </a:p>
           <a:p>
             <a:pPr lvl="1"/>
             <a:r>
-              <a:rPr lang="pt-BR" dirty="0" smtClean="0"/>
-              <a:t>Ruby – Faye, websocket-ruby, web-socket-ruby</a:t>
-            </a:r>
+              <a:rPr lang="en-US" dirty="0" err="1" smtClean="0"/>
+              <a:t>Não</a:t>
+            </a:r>
+            <a:r>
+              <a:rPr lang="en-US" dirty="0" smtClean="0"/>
+              <a:t> </a:t>
+            </a:r>
+            <a:r>
+              <a:rPr lang="en-US" dirty="0" err="1" smtClean="0"/>
+              <a:t>podem</a:t>
+            </a:r>
+            <a:r>
+              <a:rPr lang="en-US" dirty="0" smtClean="0"/>
+              <a:t> </a:t>
+            </a:r>
+            <a:r>
+              <a:rPr lang="en-US" dirty="0" err="1" smtClean="0"/>
+              <a:t>ser</a:t>
+            </a:r>
+            <a:r>
+              <a:rPr lang="en-US" dirty="0" smtClean="0"/>
+              <a:t> </a:t>
+            </a:r>
+            <a:r>
+              <a:rPr lang="en-US" dirty="0" err="1" smtClean="0"/>
+              <a:t>acrescentados</a:t>
+            </a:r>
+            <a:r>
+              <a:rPr lang="en-US" dirty="0" smtClean="0"/>
+              <a:t> </a:t>
+            </a:r>
+            <a:r>
+              <a:rPr lang="en-US" dirty="0" err="1" smtClean="0"/>
+              <a:t>por</a:t>
+            </a:r>
+            <a:r>
+              <a:rPr lang="en-US" dirty="0" smtClean="0"/>
+              <a:t> </a:t>
+            </a:r>
+            <a:r>
+              <a:rPr lang="en-US" dirty="0" err="1" smtClean="0"/>
+              <a:t>atacantes</a:t>
+            </a:r>
+            <a:r>
+              <a:rPr lang="en-US" dirty="0" smtClean="0"/>
+              <a:t> </a:t>
+            </a:r>
+            <a:r>
+              <a:rPr lang="en-US" dirty="0" err="1" smtClean="0"/>
+              <a:t>usando</a:t>
+            </a:r>
+            <a:r>
+              <a:rPr lang="en-US" dirty="0" smtClean="0"/>
+              <a:t> </a:t>
+            </a:r>
+            <a:r>
+              <a:rPr lang="en-US" dirty="0" err="1" smtClean="0"/>
+              <a:t>apenas</a:t>
+            </a:r>
+            <a:r>
+              <a:rPr lang="en-US" dirty="0" smtClean="0"/>
+              <a:t> HTML e </a:t>
+            </a:r>
+            <a:r>
+              <a:rPr lang="en-US" dirty="0" err="1" smtClean="0"/>
+              <a:t>Javascript</a:t>
+            </a:r>
+            <a:endParaRPr lang="en-US" dirty="0" smtClean="0"/>
           </a:p>
           <a:p>
             <a:pPr lvl="1"/>
             <a:r>
-              <a:rPr lang="pt-BR" dirty="0" smtClean="0"/>
-              <a:t>PHP – PHPWebSockets, Ratchet</a:t>
-            </a:r>
-          </a:p>
-          <a:p>
-            <a:pPr lvl="1"/>
-            <a:r>
-              <a:rPr lang="pt-BR" dirty="0" smtClean="0"/>
-              <a:t>Python</a:t>
-            </a:r>
-          </a:p>
-          <a:p>
-            <a:pPr lvl="1"/>
-            <a:r>
-              <a:rPr lang="pt-BR" dirty="0" smtClean="0"/>
-              <a:t>C++ - LibWebsockets</a:t>
-            </a:r>
-          </a:p>
-          <a:p>
-            <a:pPr lvl="1"/>
-            <a:r>
-              <a:rPr lang="pt-BR" dirty="0" smtClean="0"/>
-              <a:t>MQTT - Mosquitto</a:t>
-            </a:r>
-          </a:p>
-          <a:p>
-            <a:pPr lvl="1"/>
-            <a:endParaRPr lang="pt-BR" dirty="0" smtClean="0"/>
-          </a:p>
-          <a:p>
-            <a:pPr lvl="1"/>
+              <a:rPr lang="en-US" dirty="0" err="1" smtClean="0"/>
+              <a:t>Impedem</a:t>
+            </a:r>
+            <a:r>
+              <a:rPr lang="en-US" dirty="0" smtClean="0"/>
+              <a:t> </a:t>
+            </a:r>
+            <a:r>
+              <a:rPr lang="en-US" dirty="0" err="1" smtClean="0"/>
+              <a:t>conexão</a:t>
+            </a:r>
+            <a:r>
+              <a:rPr lang="en-US" dirty="0" smtClean="0"/>
+              <a:t> </a:t>
+            </a:r>
+            <a:r>
+              <a:rPr lang="en-US" dirty="0" err="1" smtClean="0"/>
+              <a:t>usando</a:t>
+            </a:r>
+            <a:r>
+              <a:rPr lang="en-US" dirty="0" smtClean="0"/>
+              <a:t> HTTP com </a:t>
+            </a:r>
+            <a:r>
+              <a:rPr lang="en-US" dirty="0" smtClean="0"/>
+              <a:t>forms </a:t>
+            </a:r>
+            <a:r>
+              <a:rPr lang="en-US" dirty="0" err="1" smtClean="0"/>
+              <a:t>ou</a:t>
+            </a:r>
+            <a:r>
+              <a:rPr lang="en-US" dirty="0" smtClean="0"/>
+              <a:t> XHR </a:t>
+            </a:r>
             <a:endParaRPr lang="pt-BR" dirty="0"/>
           </a:p>
         </p:txBody>
@@ -4135,10 +4352,112 @@
           </a:p>
         </p:txBody>
       </p:sp>
+      <p:sp>
+        <p:nvSpPr>
+          <p:cNvPr id="7" name="TextBox 6"/>
+          <p:cNvSpPr txBox="1"/>
+          <p:nvPr/>
+        </p:nvSpPr>
+        <p:spPr>
+          <a:xfrm>
+            <a:off x="4860032" y="1829221"/>
+            <a:ext cx="3477234" cy="646331"/>
+          </a:xfrm>
+          <a:prstGeom prst="rect">
+            <a:avLst/>
+          </a:prstGeom>
+          <a:noFill/>
+        </p:spPr>
+        <p:txBody>
+          <a:bodyPr wrap="none" rtlCol="0">
+            <a:spAutoFit/>
+          </a:bodyPr>
+          <a:lstStyle/>
+          <a:p>
+            <a:r>
+              <a:rPr lang="pt-BR" dirty="0">
+                <a:latin typeface="Consolas" pitchFamily="49" charset="0"/>
+                <a:cs typeface="Consolas" pitchFamily="49" charset="0"/>
+              </a:rPr>
+              <a:t>Origin: http://example.com</a:t>
+            </a:r>
+          </a:p>
+          <a:p>
+            <a:endParaRPr lang="pt-BR" dirty="0"/>
+          </a:p>
+        </p:txBody>
+      </p:sp>
+      <p:sp>
+        <p:nvSpPr>
+          <p:cNvPr id="8" name="Rectangle 7"/>
+          <p:cNvSpPr/>
+          <p:nvPr/>
+        </p:nvSpPr>
+        <p:spPr>
+          <a:xfrm>
+            <a:off x="1784538" y="5301208"/>
+            <a:ext cx="6552728" cy="923330"/>
+          </a:xfrm>
+          <a:prstGeom prst="rect">
+            <a:avLst/>
+          </a:prstGeom>
+        </p:spPr>
+        <p:txBody>
+          <a:bodyPr wrap="square">
+            <a:spAutoFit/>
+          </a:bodyPr>
+          <a:lstStyle/>
+          <a:p>
+            <a:r>
+              <a:rPr lang="pt-BR" dirty="0">
+                <a:latin typeface="Consolas" pitchFamily="49" charset="0"/>
+                <a:cs typeface="Consolas" pitchFamily="49" charset="0"/>
+              </a:rPr>
+              <a:t>Sec-WebSocket-Key: dGhlIHNhbXBsZSBub25jZQ==</a:t>
+            </a:r>
+          </a:p>
+          <a:p>
+            <a:r>
+              <a:rPr lang="pt-BR" dirty="0" smtClean="0">
+                <a:latin typeface="Consolas" pitchFamily="49" charset="0"/>
+                <a:cs typeface="Consolas" pitchFamily="49" charset="0"/>
+              </a:rPr>
+              <a:t>Sec-WebSocket-Protocol</a:t>
+            </a:r>
+            <a:r>
+              <a:rPr lang="pt-BR" dirty="0">
+                <a:latin typeface="Consolas" pitchFamily="49" charset="0"/>
+                <a:cs typeface="Consolas" pitchFamily="49" charset="0"/>
+              </a:rPr>
+              <a:t>: chat, superchat</a:t>
+            </a:r>
+          </a:p>
+          <a:p>
+            <a:r>
+              <a:rPr lang="pt-BR" dirty="0" smtClean="0">
+                <a:latin typeface="Consolas" pitchFamily="49" charset="0"/>
+                <a:cs typeface="Consolas" pitchFamily="49" charset="0"/>
+              </a:rPr>
+              <a:t>Sec-WebSocket-Version</a:t>
+            </a:r>
+            <a:r>
+              <a:rPr lang="pt-BR" dirty="0">
+                <a:latin typeface="Consolas" pitchFamily="49" charset="0"/>
+                <a:cs typeface="Consolas" pitchFamily="49" charset="0"/>
+              </a:rPr>
+              <a:t>: 13</a:t>
+            </a:r>
+            <a:endParaRPr lang="pt-BR" dirty="0">
+              <a:latin typeface="Consolas" pitchFamily="49" charset="0"/>
+              <a:cs typeface="Consolas" pitchFamily="49" charset="0"/>
+            </a:endParaRPr>
+          </a:p>
+        </p:txBody>
+      </p:sp>
     </p:spTree>
     <p:extLst>
       <p:ext uri="{BB962C8B-B14F-4D97-AF65-F5344CB8AC3E}">
-        <p14:creationId xmlns:p14="http://schemas.microsoft.com/office/powerpoint/2010/main" val="2179871134"/>
+        <p14:creationId xmlns:p14="http://schemas.microsoft.com/office/powerpoint/2010/main" val="849902686"/>
       </p:ext>
     </p:extLst>
   </p:cSld>
@@ -4182,7 +4501,7 @@
           <a:p>
             <a:r>
               <a:rPr lang="pt-BR" dirty="0" smtClean="0"/>
-              <a:t>Exemplo – Aplicação de chat</a:t>
+              <a:t>Suporte e implementações</a:t>
             </a:r>
             <a:endParaRPr lang="pt-BR" dirty="0"/>
           </a:p>
@@ -4205,14 +4524,70 @@
           <a:p>
             <a:r>
               <a:rPr lang="pt-BR" dirty="0" smtClean="0"/>
-              <a:t>Cliente – browser</a:t>
+              <a:t>A maioria dos browsers modernos – Chrome, Firefox, Edge, IE, Opera, Safari</a:t>
             </a:r>
           </a:p>
           <a:p>
             <a:r>
               <a:rPr lang="pt-BR" dirty="0" smtClean="0"/>
-              <a:t>Servidor – Node.js e biblioteca socket.io</a:t>
-            </a:r>
+              <a:t>Servidor</a:t>
+            </a:r>
+          </a:p>
+          <a:p>
+            <a:pPr lvl="1"/>
+            <a:r>
+              <a:rPr lang="pt-BR" dirty="0" smtClean="0"/>
+              <a:t>Node.js – ws, websocket, nodejs-websocket, socket.io, ...</a:t>
+            </a:r>
+          </a:p>
+          <a:p>
+            <a:pPr lvl="1"/>
+            <a:r>
+              <a:rPr lang="pt-BR" dirty="0" smtClean="0"/>
+              <a:t>Java – Incluído na especificação JavaEE 7- JSR356</a:t>
+            </a:r>
+          </a:p>
+          <a:p>
+            <a:pPr lvl="1"/>
+            <a:r>
+              <a:rPr lang="pt-BR" dirty="0" smtClean="0"/>
+              <a:t>Ruby – Faye, websocket-ruby, web-socket-ruby</a:t>
+            </a:r>
+          </a:p>
+          <a:p>
+            <a:pPr lvl="1"/>
+            <a:r>
+              <a:rPr lang="pt-BR" dirty="0" smtClean="0"/>
+              <a:t>PHP – PHPWebSockets, Ratchet</a:t>
+            </a:r>
+          </a:p>
+          <a:p>
+            <a:pPr lvl="1"/>
+            <a:r>
+              <a:rPr lang="pt-BR" dirty="0" smtClean="0"/>
+              <a:t>Python</a:t>
+            </a:r>
+          </a:p>
+          <a:p>
+            <a:pPr lvl="1"/>
+            <a:r>
+              <a:rPr lang="pt-BR" dirty="0" smtClean="0"/>
+              <a:t>C++ - LibWebsockets</a:t>
+            </a:r>
+          </a:p>
+          <a:p>
+            <a:pPr lvl="1"/>
+            <a:r>
+              <a:rPr lang="pt-BR" dirty="0" smtClean="0"/>
+              <a:t>MQTT - Mosquitto</a:t>
+            </a:r>
+          </a:p>
+          <a:p>
+            <a:pPr lvl="1"/>
+            <a:endParaRPr lang="pt-BR" dirty="0" smtClean="0"/>
+          </a:p>
+          <a:p>
+            <a:pPr lvl="1"/>
             <a:endParaRPr lang="pt-BR" dirty="0"/>
           </a:p>
         </p:txBody>
@@ -4289,7 +4664,7 @@
     </p:spTree>
     <p:extLst>
       <p:ext uri="{BB962C8B-B14F-4D97-AF65-F5344CB8AC3E}">
-        <p14:creationId xmlns:p14="http://schemas.microsoft.com/office/powerpoint/2010/main" val="3342785035"/>
+        <p14:creationId xmlns:p14="http://schemas.microsoft.com/office/powerpoint/2010/main" val="2179871134"/>
       </p:ext>
     </p:extLst>
   </p:cSld>
@@ -4333,6 +4708,157 @@
           <a:p>
             <a:r>
               <a:rPr lang="pt-BR" dirty="0" smtClean="0"/>
+              <a:t>Exemplo – Aplicação de chat</a:t>
+            </a:r>
+            <a:endParaRPr lang="pt-BR" dirty="0"/>
+          </a:p>
+        </p:txBody>
+      </p:sp>
+      <p:sp>
+        <p:nvSpPr>
+          <p:cNvPr id="3" name="Content Placeholder 2"/>
+          <p:cNvSpPr>
+            <a:spLocks noGrp="1"/>
+          </p:cNvSpPr>
+          <p:nvPr>
+            <p:ph idx="1"/>
+          </p:nvPr>
+        </p:nvSpPr>
+        <p:spPr/>
+        <p:txBody>
+          <a:bodyPr/>
+          <a:lstStyle/>
+          <a:p>
+            <a:r>
+              <a:rPr lang="pt-BR" dirty="0" smtClean="0"/>
+              <a:t>Cliente – browser</a:t>
+            </a:r>
+          </a:p>
+          <a:p>
+            <a:r>
+              <a:rPr lang="pt-BR" dirty="0" smtClean="0"/>
+              <a:t>Servidor – Node.js e biblioteca socket.io</a:t>
+            </a:r>
+            <a:endParaRPr lang="pt-BR" dirty="0"/>
+          </a:p>
+        </p:txBody>
+      </p:sp>
+      <p:sp>
+        <p:nvSpPr>
+          <p:cNvPr id="4" name="Date Placeholder 3"/>
+          <p:cNvSpPr>
+            <a:spLocks noGrp="1"/>
+          </p:cNvSpPr>
+          <p:nvPr>
+            <p:ph type="dt" sz="half" idx="10"/>
+          </p:nvPr>
+        </p:nvSpPr>
+        <p:spPr/>
+        <p:txBody>
+          <a:bodyPr/>
+          <a:lstStyle/>
+          <a:p>
+            <a:r>
+              <a:rPr lang="pt-BR" smtClean="0"/>
+              <a:t>Outubro/2016</a:t>
+            </a:r>
+            <a:endParaRPr lang="pt-BR"/>
+          </a:p>
+        </p:txBody>
+      </p:sp>
+      <p:sp>
+        <p:nvSpPr>
+          <p:cNvPr id="5" name="Footer Placeholder 4"/>
+          <p:cNvSpPr>
+            <a:spLocks noGrp="1"/>
+          </p:cNvSpPr>
+          <p:nvPr>
+            <p:ph type="ftr" sz="quarter" idx="11"/>
+          </p:nvPr>
+        </p:nvSpPr>
+        <p:spPr/>
+        <p:txBody>
+          <a:bodyPr/>
+          <a:lstStyle/>
+          <a:p>
+            <a:r>
+              <a:rPr lang="pt-BR" smtClean="0"/>
+              <a:t>Pedro H. D. V. Affonso</a:t>
+            </a:r>
+            <a:endParaRPr lang="pt-BR"/>
+          </a:p>
+        </p:txBody>
+      </p:sp>
+      <p:sp>
+        <p:nvSpPr>
+          <p:cNvPr id="6" name="Slide Number Placeholder 5"/>
+          <p:cNvSpPr>
+            <a:spLocks noGrp="1"/>
+          </p:cNvSpPr>
+          <p:nvPr>
+            <p:ph type="sldNum" sz="quarter" idx="12"/>
+          </p:nvPr>
+        </p:nvSpPr>
+        <p:spPr/>
+        <p:txBody>
+          <a:bodyPr/>
+          <a:lstStyle/>
+          <a:p>
+            <a:fld id="{478F1E3C-6699-465E-A3BE-7A372DAA0AC5}" type="slidenum">
+              <a:rPr lang="pt-BR" smtClean="0"/>
+              <a:t>12</a:t>
+            </a:fld>
+            <a:endParaRPr lang="pt-BR"/>
+          </a:p>
+        </p:txBody>
+      </p:sp>
+    </p:spTree>
+    <p:extLst>
+      <p:ext uri="{BB962C8B-B14F-4D97-AF65-F5344CB8AC3E}">
+        <p14:creationId xmlns:p14="http://schemas.microsoft.com/office/powerpoint/2010/main" val="3342785035"/>
+      </p:ext>
+    </p:extLst>
+  </p:cSld>
+  <p:clrMapOvr>
+    <a:masterClrMapping/>
+  </p:clrMapOvr>
+</p:sld>
+</file>
+
+<file path=ppt/slides/slide13.xml><?xml version="1.0" encoding="utf-8"?>
+<p:sld xmlns:a="http://schemas.openxmlformats.org/drawingml/2006/main" xmlns:r="http://schemas.openxmlformats.org/officeDocument/2006/relationships" xmlns:p="http://schemas.openxmlformats.org/presentationml/2006/main">
+  <p:cSld>
+    <p:spTree>
+      <p:nvGrpSpPr>
+        <p:cNvPr id="1" name=""/>
+        <p:cNvGrpSpPr/>
+        <p:nvPr/>
+      </p:nvGrpSpPr>
+      <p:grpSpPr>
+        <a:xfrm>
+          <a:off x="0" y="0"/>
+          <a:ext cx="0" cy="0"/>
+          <a:chOff x="0" y="0"/>
+          <a:chExt cx="0" cy="0"/>
+        </a:xfrm>
+      </p:grpSpPr>
+      <p:sp>
+        <p:nvSpPr>
+          <p:cNvPr id="2" name="Title 1"/>
+          <p:cNvSpPr>
+            <a:spLocks noGrp="1"/>
+          </p:cNvSpPr>
+          <p:nvPr>
+            <p:ph type="title"/>
+          </p:nvPr>
+        </p:nvSpPr>
+        <p:spPr/>
+        <p:txBody>
+          <a:bodyPr/>
+          <a:lstStyle/>
+          <a:p>
+            <a:r>
+              <a:rPr lang="pt-BR" dirty="0" smtClean="0"/>
               <a:t>Referências</a:t>
             </a:r>
             <a:endParaRPr lang="pt-BR" dirty="0"/>
@@ -4399,6 +4925,21 @@
             <a:endParaRPr lang="pt-BR" dirty="0" smtClean="0"/>
           </a:p>
           <a:p>
+            <a:r>
+              <a:rPr lang="pt-BR" dirty="0">
+                <a:hlinkClick r:id="rId5"/>
+              </a:rPr>
+              <a:t>https://www.pubnub.com/blog/2015-01-05-websockets-vs-rest-api-understanding-the-difference</a:t>
+            </a:r>
+            <a:r>
+              <a:rPr lang="pt-BR" dirty="0" smtClean="0">
+                <a:hlinkClick r:id="rId5"/>
+              </a:rPr>
+              <a:t>/</a:t>
+            </a:r>
+            <a:endParaRPr lang="pt-BR" dirty="0" smtClean="0"/>
+          </a:p>
+          <a:p>
             <a:endParaRPr lang="pt-BR" dirty="0" smtClean="0"/>
           </a:p>
           <a:p>
@@ -4469,7 +5010,7 @@
           <a:p>
             <a:fld id="{478F1E3C-6699-465E-A3BE-7A372DAA0AC5}" type="slidenum">
               <a:rPr lang="pt-BR" smtClean="0"/>
-              <a:t>12</a:t>
+              <a:t>13</a:t>
             </a:fld>
             <a:endParaRPr lang="pt-BR"/>
           </a:p>
@@ -4915,72 +5456,7 @@
           <a:p>
             <a:r>
               <a:rPr lang="pt-BR" dirty="0" smtClean="0"/>
-              <a:t>História e Características</a:t>
-            </a:r>
-            <a:endParaRPr lang="pt-BR" dirty="0"/>
-          </a:p>
-        </p:txBody>
-      </p:sp>
-      <p:sp>
-        <p:nvSpPr>
-          <p:cNvPr id="3" name="Content Placeholder 2"/>
-          <p:cNvSpPr>
-            <a:spLocks noGrp="1"/>
-          </p:cNvSpPr>
-          <p:nvPr>
-            <p:ph idx="1"/>
-          </p:nvPr>
-        </p:nvSpPr>
-        <p:spPr/>
-        <p:txBody>
-          <a:bodyPr/>
-          <a:lstStyle/>
-          <a:p>
-            <a:r>
-              <a:rPr lang="pt-BR" dirty="0" smtClean="0"/>
-              <a:t>Primeira versão surge em 2008</a:t>
-            </a:r>
-          </a:p>
-          <a:p>
-            <a:r>
-              <a:rPr lang="pt-BR" dirty="0" smtClean="0"/>
-              <a:t>Implementado no Chrome em dezembro de 2009</a:t>
-            </a:r>
-          </a:p>
-          <a:p>
-            <a:r>
-              <a:rPr lang="pt-BR" dirty="0" smtClean="0"/>
-              <a:t>Padronizado pelo IETF em 2011 – RFC 6455</a:t>
-            </a:r>
-          </a:p>
-          <a:p>
-            <a:r>
-              <a:rPr lang="pt-BR" dirty="0" smtClean="0"/>
-              <a:t>API dos browsers está em fase de padronização pelo W3C</a:t>
-            </a:r>
-          </a:p>
-          <a:p>
-            <a:r>
-              <a:rPr lang="pt-BR" dirty="0" smtClean="0"/>
-              <a:t>Comunicação Full-duplex</a:t>
-            </a:r>
-          </a:p>
-          <a:p>
-            <a:r>
-              <a:rPr lang="pt-BR" dirty="0" smtClean="0"/>
-              <a:t>Streams de mensagens sobre o TCP</a:t>
-            </a:r>
-          </a:p>
-          <a:p>
-            <a:r>
-              <a:rPr lang="pt-BR" dirty="0" smtClean="0"/>
-              <a:t>Não compromete a segurança da Web</a:t>
-            </a:r>
-          </a:p>
-          <a:p>
-            <a:r>
-              <a:rPr lang="pt-BR" dirty="0" smtClean="0"/>
-              <a:t>Foi feito pensando em Browsers e Servidores Web, mas pode ser usado por qualquer tipo de cliente ou servidor</a:t>
+              <a:t>AJAX, Long Polling e Websocket</a:t>
             </a:r>
             <a:endParaRPr lang="pt-BR" dirty="0"/>
           </a:p>
@@ -5055,10 +5531,167 @@
           </a:p>
         </p:txBody>
       </p:sp>
+      <p:pic>
+        <p:nvPicPr>
+          <p:cNvPr id="1026" name="Picture 2" descr="https://www.pubnub.com/wp-content/uploads/2014/09/WebSockets-Diagram.png"/>
+          <p:cNvPicPr>
+            <a:picLocks noChangeAspect="1" noChangeArrowheads="1"/>
+          </p:cNvPicPr>
+          <p:nvPr/>
+        </p:nvPicPr>
+        <p:blipFill>
+          <a:blip r:embed="rId2" cstate="print">
+            <a:extLst>
+              <a:ext uri="{28A0092B-C50C-407E-A947-70E740481C1C}">
+                <a14:useLocalDpi xmlns:a14="http://schemas.microsoft.com/office/drawing/2010/main" val="0"/>
+              </a:ext>
+            </a:extLst>
+          </a:blip>
+          <a:srcRect/>
+          <a:stretch>
+            <a:fillRect/>
+          </a:stretch>
+        </p:blipFill>
+        <p:spPr bwMode="auto">
+          <a:xfrm>
+            <a:off x="5083196" y="2348880"/>
+            <a:ext cx="3836297" cy="3456384"/>
+          </a:xfrm>
+          <a:prstGeom prst="rect">
+            <a:avLst/>
+          </a:prstGeom>
+          <a:noFill/>
+          <a:extLst>
+            <a:ext uri="{909E8E84-426E-40DD-AFC4-6F175D3DCCD1}">
+              <a14:hiddenFill xmlns:a14="http://schemas.microsoft.com/office/drawing/2010/main">
+                <a:solidFill>
+                  <a:srgbClr val="FFFFFF"/>
+                </a:solidFill>
+              </a14:hiddenFill>
+            </a:ext>
+          </a:extLst>
+        </p:spPr>
+      </p:pic>
+      <p:pic>
+        <p:nvPicPr>
+          <p:cNvPr id="1028" name="Picture 4" descr="http://conteudo.imasters.com.br/23436/44249.gif"/>
+          <p:cNvPicPr>
+            <a:picLocks noChangeAspect="1" noChangeArrowheads="1"/>
+          </p:cNvPicPr>
+          <p:nvPr/>
+        </p:nvPicPr>
+        <p:blipFill rotWithShape="1">
+          <a:blip r:embed="rId3">
+            <a:extLst>
+              <a:ext uri="{28A0092B-C50C-407E-A947-70E740481C1C}">
+                <a14:useLocalDpi xmlns:a14="http://schemas.microsoft.com/office/drawing/2010/main" val="0"/>
+              </a:ext>
+            </a:extLst>
+          </a:blip>
+          <a:srcRect l="800" t="2847" r="800" b="1339"/>
+          <a:stretch/>
+        </p:blipFill>
+        <p:spPr bwMode="auto">
+          <a:xfrm>
+            <a:off x="113674" y="4492516"/>
+            <a:ext cx="4428000" cy="2124000"/>
+          </a:xfrm>
+          <a:prstGeom prst="rect">
+            <a:avLst/>
+          </a:prstGeom>
+          <a:noFill/>
+          <a:extLst>
+            <a:ext uri="{909E8E84-426E-40DD-AFC4-6F175D3DCCD1}">
+              <a14:hiddenFill xmlns:a14="http://schemas.microsoft.com/office/drawing/2010/main">
+                <a:solidFill>
+                  <a:srgbClr val="FFFFFF"/>
+                </a:solidFill>
+              </a14:hiddenFill>
+            </a:ext>
+          </a:extLst>
+        </p:spPr>
+      </p:pic>
+      <p:sp>
+        <p:nvSpPr>
+          <p:cNvPr id="7" name="TextBox 6"/>
+          <p:cNvSpPr txBox="1"/>
+          <p:nvPr/>
+        </p:nvSpPr>
+        <p:spPr>
+          <a:xfrm>
+            <a:off x="5866173" y="6093296"/>
+            <a:ext cx="2077748" cy="523220"/>
+          </a:xfrm>
+          <a:prstGeom prst="rect">
+            <a:avLst/>
+          </a:prstGeom>
+          <a:noFill/>
+        </p:spPr>
+        <p:txBody>
+          <a:bodyPr wrap="none" rtlCol="0">
+            <a:spAutoFit/>
+          </a:bodyPr>
+          <a:lstStyle/>
+          <a:p>
+            <a:r>
+              <a:rPr lang="pt-BR" sz="2800" b="1" dirty="0" smtClean="0">
+                <a:solidFill>
+                  <a:srgbClr val="2D2D3B"/>
+                </a:solidFill>
+              </a:rPr>
+              <a:t>Websocket</a:t>
+            </a:r>
+            <a:endParaRPr lang="pt-BR" sz="2800" b="1" dirty="0">
+              <a:solidFill>
+                <a:srgbClr val="2D2D3B"/>
+              </a:solidFill>
+            </a:endParaRPr>
+          </a:p>
+        </p:txBody>
+      </p:sp>
+      <p:pic>
+        <p:nvPicPr>
+          <p:cNvPr id="1030" name="Picture 6" descr="servers resources being wasted mostly saying that there is nothing new"/>
+          <p:cNvPicPr>
+            <a:picLocks noChangeAspect="1" noChangeArrowheads="1"/>
+          </p:cNvPicPr>
+          <p:nvPr/>
+        </p:nvPicPr>
+        <p:blipFill rotWithShape="1">
+          <a:blip r:embed="rId4">
+            <a:extLst>
+              <a:ext uri="{28A0092B-C50C-407E-A947-70E740481C1C}">
+                <a14:useLocalDpi xmlns:a14="http://schemas.microsoft.com/office/drawing/2010/main" val="0"/>
+              </a:ext>
+            </a:extLst>
+          </a:blip>
+          <a:srcRect l="2" r="39118"/>
+          <a:stretch/>
+        </p:blipFill>
+        <p:spPr bwMode="auto">
+          <a:xfrm>
+            <a:off x="323528" y="1556792"/>
+            <a:ext cx="3600400" cy="2136739"/>
+          </a:xfrm>
+          <a:prstGeom prst="rect">
+            <a:avLst/>
+          </a:prstGeom>
+          <a:noFill/>
+          <a:extLst>
+            <a:ext uri="{909E8E84-426E-40DD-AFC4-6F175D3DCCD1}">
+              <a14:hiddenFill xmlns:a14="http://schemas.microsoft.com/office/drawing/2010/main">
+                <a:solidFill>
+                  <a:srgbClr val="FFFFFF"/>
+                </a:solidFill>
+              </a14:hiddenFill>
+            </a:ext>
+          </a:extLst>
+        </p:spPr>
+      </p:pic>
     </p:spTree>
     <p:extLst>
       <p:ext uri="{BB962C8B-B14F-4D97-AF65-F5344CB8AC3E}">
-        <p14:creationId xmlns:p14="http://schemas.microsoft.com/office/powerpoint/2010/main" val="1893968116"/>
+        <p14:creationId xmlns:p14="http://schemas.microsoft.com/office/powerpoint/2010/main" val="3691946554"/>
       </p:ext>
     </p:extLst>
   </p:cSld>
@@ -5102,7 +5735,7 @@
           <a:p>
             <a:r>
               <a:rPr lang="pt-BR" dirty="0" smtClean="0"/>
-              <a:t>Aplicações</a:t>
+              <a:t>História e Características</a:t>
             </a:r>
             <a:endParaRPr lang="pt-BR" dirty="0"/>
           </a:p>
@@ -5125,43 +5758,49 @@
           <a:p>
             <a:r>
               <a:rPr lang="pt-BR" dirty="0" smtClean="0"/>
-              <a:t>Dashboards em tempo real</a:t>
+              <a:t>Primeira versão surge em 2008</a:t>
             </a:r>
           </a:p>
           <a:p>
             <a:r>
               <a:rPr lang="pt-BR" dirty="0" smtClean="0"/>
-              <a:t>Instant messengers e notificações</a:t>
+              <a:t>Implementado no Chrome em dezembro de 2009</a:t>
             </a:r>
           </a:p>
           <a:p>
             <a:r>
               <a:rPr lang="pt-BR" dirty="0" smtClean="0"/>
-              <a:t>Edição multiusuário simultânea</a:t>
+              <a:t>Padronizado pelo IETF em 2011 – RFC 6455</a:t>
             </a:r>
           </a:p>
           <a:p>
             <a:r>
               <a:rPr lang="pt-BR" dirty="0" smtClean="0"/>
-              <a:t>Jogos online</a:t>
+              <a:t>API dos browsers está em fase de padronização pelo W3C</a:t>
             </a:r>
           </a:p>
           <a:p>
             <a:r>
               <a:rPr lang="pt-BR" dirty="0" smtClean="0"/>
-              <a:t>MQTT sobre Websockets</a:t>
+              <a:t>Comunicação Full-duplex</a:t>
             </a:r>
           </a:p>
           <a:p>
             <a:r>
               <a:rPr lang="pt-BR" dirty="0" smtClean="0"/>
-              <a:t>Aplicações que precisem passar por firewalls</a:t>
+              <a:t>Streams de mensagens sobre o TCP</a:t>
             </a:r>
           </a:p>
           <a:p>
             <a:r>
               <a:rPr lang="pt-BR" dirty="0" smtClean="0"/>
-              <a:t>Aplicações em tempo real em geral</a:t>
+              <a:t>Não compromete a segurança da Web</a:t>
+            </a:r>
+          </a:p>
+          <a:p>
+            <a:r>
+              <a:rPr lang="pt-BR" dirty="0" smtClean="0"/>
+              <a:t>Foi feito pensando em Browsers e Servidores Web, mas pode ser usado por qualquer tipo de cliente ou servidor</a:t>
             </a:r>
             <a:endParaRPr lang="pt-BR" dirty="0"/>
           </a:p>
@@ -5239,7 +5878,7 @@
     </p:spTree>
     <p:extLst>
       <p:ext uri="{BB962C8B-B14F-4D97-AF65-F5344CB8AC3E}">
-        <p14:creationId xmlns:p14="http://schemas.microsoft.com/office/powerpoint/2010/main" val="4014930662"/>
+        <p14:creationId xmlns:p14="http://schemas.microsoft.com/office/powerpoint/2010/main" val="1893968116"/>
       </p:ext>
     </p:extLst>
   </p:cSld>
@@ -5283,7 +5922,7 @@
           <a:p>
             <a:r>
               <a:rPr lang="pt-BR" dirty="0" smtClean="0"/>
-              <a:t>Filosofia de Projeto</a:t>
+              <a:t>Aplicações</a:t>
             </a:r>
             <a:endParaRPr lang="pt-BR" dirty="0"/>
           </a:p>
@@ -5301,361 +5940,88 @@
         </p:nvSpPr>
         <p:spPr/>
         <p:txBody>
-          <a:bodyPr>
-            <a:normAutofit/>
-          </a:bodyPr>
-          <a:lstStyle/>
-          <a:p>
-            <a:r>
-              <a:rPr lang="en-US" dirty="0" err="1" smtClean="0"/>
-              <a:t>Camada</a:t>
-            </a:r>
-            <a:r>
-              <a:rPr lang="en-US" dirty="0" smtClean="0"/>
-              <a:t> </a:t>
-            </a:r>
-            <a:r>
-              <a:rPr lang="en-US" dirty="0" err="1" smtClean="0"/>
-              <a:t>sobre</a:t>
-            </a:r>
-            <a:r>
-              <a:rPr lang="en-US" dirty="0" smtClean="0"/>
-              <a:t> o TCP</a:t>
-            </a:r>
-            <a:endParaRPr lang="en-US" dirty="0"/>
-          </a:p>
-          <a:p>
-            <a:r>
-              <a:rPr lang="en-US" dirty="0" err="1" smtClean="0"/>
-              <a:t>Serviço</a:t>
-            </a:r>
-            <a:r>
-              <a:rPr lang="en-US" dirty="0" smtClean="0"/>
-              <a:t> </a:t>
-            </a:r>
-            <a:r>
-              <a:rPr lang="en-US" dirty="0" err="1" smtClean="0"/>
-              <a:t>oferecido</a:t>
-            </a:r>
-            <a:r>
-              <a:rPr lang="en-US" dirty="0" smtClean="0"/>
-              <a:t> é </a:t>
-            </a:r>
-            <a:r>
-              <a:rPr lang="en-US" dirty="0" err="1" smtClean="0"/>
-              <a:t>próximo</a:t>
-            </a:r>
-            <a:r>
-              <a:rPr lang="en-US" dirty="0" smtClean="0"/>
-              <a:t> do TCP</a:t>
-            </a:r>
-          </a:p>
-          <a:p>
-            <a:r>
-              <a:rPr lang="en-US" dirty="0" err="1" smtClean="0"/>
-              <a:t>Diferenças</a:t>
-            </a:r>
-            <a:endParaRPr lang="en-US" dirty="0" smtClean="0"/>
+          <a:bodyPr/>
+          <a:lstStyle/>
+          <a:p>
+            <a:r>
+              <a:rPr lang="pt-BR" dirty="0" smtClean="0"/>
+              <a:t>Dashboards em tempo real</a:t>
+            </a:r>
+          </a:p>
+          <a:p>
+            <a:r>
+              <a:rPr lang="pt-BR" dirty="0" smtClean="0"/>
+              <a:t>Instant messengers e notificações</a:t>
+            </a:r>
+          </a:p>
+          <a:p>
+            <a:r>
+              <a:rPr lang="pt-BR" dirty="0" smtClean="0"/>
+              <a:t>Edição multiusuário simultânea</a:t>
+            </a:r>
+          </a:p>
+          <a:p>
+            <a:r>
+              <a:rPr lang="pt-BR" dirty="0" smtClean="0"/>
+              <a:t>Jogos online</a:t>
+            </a:r>
+          </a:p>
+          <a:p>
+            <a:r>
+              <a:rPr lang="pt-BR" dirty="0" smtClean="0"/>
+              <a:t>MQTT sobre Websockets</a:t>
+            </a:r>
+          </a:p>
+          <a:p>
+            <a:r>
+              <a:rPr lang="pt-BR" dirty="0" smtClean="0"/>
+              <a:t>Aplicações que precisem passar por firewalls</a:t>
+            </a:r>
+          </a:p>
+          <a:p>
+            <a:r>
+              <a:rPr lang="pt-BR" dirty="0" smtClean="0"/>
+              <a:t>Aplicações em tempo real em </a:t>
+            </a:r>
+            <a:r>
+              <a:rPr lang="pt-BR" dirty="0" smtClean="0"/>
+              <a:t>geral</a:t>
+            </a:r>
+          </a:p>
+          <a:p>
+            <a:r>
+              <a:rPr lang="pt-BR" dirty="0" smtClean="0"/>
+              <a:t>Alguns exemplos:</a:t>
+            </a:r>
           </a:p>
           <a:p>
             <a:pPr lvl="1"/>
             <a:r>
-              <a:rPr lang="en-US" dirty="0" err="1"/>
-              <a:t>Segurança</a:t>
-            </a:r>
-            <a:r>
-              <a:rPr lang="en-US" dirty="0"/>
-              <a:t> </a:t>
-            </a:r>
-            <a:r>
-              <a:rPr lang="en-US" dirty="0" err="1"/>
-              <a:t>baseada</a:t>
-            </a:r>
-            <a:r>
-              <a:rPr lang="en-US" dirty="0"/>
-              <a:t> </a:t>
-            </a:r>
-            <a:r>
-              <a:rPr lang="en-US" dirty="0" err="1"/>
-              <a:t>em</a:t>
-            </a:r>
-            <a:r>
-              <a:rPr lang="en-US" dirty="0"/>
-              <a:t> </a:t>
-            </a:r>
-            <a:r>
-              <a:rPr lang="en-US" dirty="0" err="1"/>
-              <a:t>origem</a:t>
-            </a:r>
-            <a:r>
-              <a:rPr lang="en-US" dirty="0"/>
-              <a:t> (XSS, CSRF)</a:t>
+              <a:rPr lang="pt-BR" dirty="0" smtClean="0"/>
+              <a:t>Trello</a:t>
             </a:r>
           </a:p>
           <a:p>
             <a:pPr lvl="1"/>
             <a:r>
-              <a:rPr lang="en-US" dirty="0" err="1"/>
-              <a:t>Endereçamento</a:t>
-            </a:r>
-            <a:r>
-              <a:rPr lang="en-US" dirty="0"/>
-              <a:t> e </a:t>
-            </a:r>
-            <a:r>
-              <a:rPr lang="en-US" dirty="0" err="1"/>
-              <a:t>subprotocolos</a:t>
-            </a:r>
-            <a:r>
-              <a:rPr lang="en-US" dirty="0"/>
-              <a:t> </a:t>
-            </a:r>
-            <a:r>
-              <a:rPr lang="en-US" dirty="0" err="1"/>
-              <a:t>para</a:t>
-            </a:r>
-            <a:r>
-              <a:rPr lang="en-US" dirty="0"/>
-              <a:t> </a:t>
-            </a:r>
-            <a:r>
-              <a:rPr lang="en-US" dirty="0" err="1"/>
-              <a:t>suportar</a:t>
-            </a:r>
-            <a:r>
-              <a:rPr lang="en-US" dirty="0"/>
-              <a:t> </a:t>
-            </a:r>
-            <a:r>
-              <a:rPr lang="en-US" dirty="0" err="1"/>
-              <a:t>múltiplos</a:t>
-            </a:r>
-            <a:r>
-              <a:rPr lang="en-US" dirty="0"/>
-              <a:t> </a:t>
-            </a:r>
-            <a:r>
-              <a:rPr lang="en-US" dirty="0" err="1"/>
-              <a:t>serviços</a:t>
-            </a:r>
-            <a:r>
-              <a:rPr lang="en-US" dirty="0"/>
-              <a:t> </a:t>
-            </a:r>
-            <a:r>
-              <a:rPr lang="en-US" dirty="0" err="1"/>
-              <a:t>em</a:t>
-            </a:r>
-            <a:r>
-              <a:rPr lang="en-US" dirty="0"/>
-              <a:t> </a:t>
-            </a:r>
-            <a:r>
-              <a:rPr lang="en-US" dirty="0" err="1"/>
-              <a:t>uma</a:t>
-            </a:r>
-            <a:r>
-              <a:rPr lang="en-US" dirty="0"/>
-              <a:t> </a:t>
-            </a:r>
-            <a:r>
-              <a:rPr lang="en-US" dirty="0" err="1"/>
-              <a:t>mesma</a:t>
-            </a:r>
-            <a:r>
-              <a:rPr lang="en-US" dirty="0"/>
-              <a:t> </a:t>
-            </a:r>
-            <a:r>
-              <a:rPr lang="en-US" dirty="0" err="1"/>
-              <a:t>porta</a:t>
-            </a:r>
-            <a:r>
-              <a:rPr lang="en-US" dirty="0"/>
-              <a:t> e </a:t>
-            </a:r>
-            <a:r>
-              <a:rPr lang="en-US" dirty="0" err="1"/>
-              <a:t>múltiplos</a:t>
-            </a:r>
-            <a:r>
-              <a:rPr lang="en-US" dirty="0"/>
-              <a:t> </a:t>
-            </a:r>
-            <a:r>
-              <a:rPr lang="en-US" dirty="0" err="1"/>
-              <a:t>nomes</a:t>
-            </a:r>
-            <a:r>
-              <a:rPr lang="en-US" dirty="0"/>
-              <a:t> de host no </a:t>
-            </a:r>
-            <a:r>
-              <a:rPr lang="en-US" dirty="0" err="1"/>
-              <a:t>mesmo</a:t>
-            </a:r>
-            <a:r>
-              <a:rPr lang="en-US" dirty="0"/>
-              <a:t> </a:t>
-            </a:r>
-            <a:r>
-              <a:rPr lang="en-US" dirty="0" err="1"/>
-              <a:t>ip</a:t>
-            </a:r>
-            <a:endParaRPr lang="en-US" dirty="0"/>
+              <a:rPr lang="pt-BR" dirty="0" smtClean="0"/>
+              <a:t>StackOverflow (notificações)</a:t>
+            </a:r>
           </a:p>
           <a:p>
             <a:pPr lvl="1"/>
             <a:r>
-              <a:rPr lang="en-US" dirty="0" err="1"/>
-              <a:t>Mecanismo</a:t>
-            </a:r>
-            <a:r>
-              <a:rPr lang="en-US" dirty="0"/>
-              <a:t> de </a:t>
-            </a:r>
-            <a:r>
-              <a:rPr lang="en-US" dirty="0" err="1" smtClean="0"/>
-              <a:t>quadros</a:t>
-            </a:r>
-            <a:r>
-              <a:rPr lang="en-US" dirty="0" smtClean="0"/>
-              <a:t> e </a:t>
-            </a:r>
-            <a:r>
-              <a:rPr lang="en-US" dirty="0" err="1" smtClean="0"/>
-              <a:t>tipo</a:t>
-            </a:r>
-            <a:r>
-              <a:rPr lang="en-US" smtClean="0"/>
-              <a:t> de dados</a:t>
-            </a:r>
-            <a:endParaRPr lang="en-US" dirty="0"/>
+              <a:rPr lang="pt-BR" dirty="0"/>
+              <a:t>s</a:t>
+            </a:r>
+            <a:r>
+              <a:rPr lang="pt-BR" dirty="0" smtClean="0"/>
+              <a:t>ocket.io e engine.io</a:t>
+            </a:r>
           </a:p>
           <a:p>
             <a:pPr lvl="1"/>
-            <a:r>
-              <a:rPr lang="en-US" dirty="0"/>
-              <a:t>Handshake de </a:t>
-            </a:r>
-            <a:r>
-              <a:rPr lang="en-US" dirty="0" err="1"/>
-              <a:t>despedida</a:t>
-            </a:r>
-            <a:r>
-              <a:rPr lang="en-US" dirty="0"/>
-              <a:t> extra </a:t>
-            </a:r>
-            <a:r>
-              <a:rPr lang="en-US" dirty="0" err="1"/>
-              <a:t>para</a:t>
-            </a:r>
-            <a:r>
-              <a:rPr lang="en-US" dirty="0"/>
-              <a:t> </a:t>
-            </a:r>
-            <a:r>
-              <a:rPr lang="en-US" dirty="0" err="1"/>
-              <a:t>contornar</a:t>
-            </a:r>
-            <a:r>
-              <a:rPr lang="en-US" dirty="0"/>
-              <a:t> </a:t>
-            </a:r>
-            <a:r>
-              <a:rPr lang="en-US" dirty="0" err="1"/>
-              <a:t>problemas</a:t>
-            </a:r>
-            <a:r>
-              <a:rPr lang="en-US" dirty="0"/>
-              <a:t> com proxies e </a:t>
-            </a:r>
-            <a:r>
-              <a:rPr lang="en-US" dirty="0" err="1" smtClean="0"/>
-              <a:t>intermediários</a:t>
-            </a:r>
-            <a:endParaRPr lang="en-US" dirty="0" smtClean="0"/>
-          </a:p>
-          <a:p>
-            <a:r>
-              <a:rPr lang="en-US" dirty="0" err="1" smtClean="0"/>
-              <a:t>Pode</a:t>
-            </a:r>
-            <a:r>
-              <a:rPr lang="en-US" dirty="0" smtClean="0"/>
-              <a:t> </a:t>
-            </a:r>
-            <a:r>
-              <a:rPr lang="en-US" dirty="0" err="1" smtClean="0"/>
-              <a:t>compartilhar</a:t>
-            </a:r>
-            <a:r>
-              <a:rPr lang="en-US" dirty="0" smtClean="0"/>
-              <a:t> a </a:t>
-            </a:r>
-            <a:r>
-              <a:rPr lang="en-US" dirty="0" err="1" smtClean="0"/>
-              <a:t>porta</a:t>
-            </a:r>
-            <a:r>
-              <a:rPr lang="en-US" dirty="0" smtClean="0"/>
-              <a:t> com </a:t>
-            </a:r>
-            <a:r>
-              <a:rPr lang="en-US" dirty="0" err="1" smtClean="0"/>
-              <a:t>servidor</a:t>
-            </a:r>
-            <a:r>
-              <a:rPr lang="en-US" dirty="0" smtClean="0"/>
-              <a:t> HTTP</a:t>
-            </a:r>
-          </a:p>
-          <a:p>
-            <a:r>
-              <a:rPr lang="en-US" dirty="0" err="1" smtClean="0"/>
-              <a:t>Semântica</a:t>
-            </a:r>
-            <a:r>
-              <a:rPr lang="en-US" dirty="0" smtClean="0"/>
-              <a:t> de </a:t>
-            </a:r>
-            <a:r>
-              <a:rPr lang="en-US" dirty="0" err="1" smtClean="0"/>
-              <a:t>mensagem</a:t>
-            </a:r>
-            <a:r>
-              <a:rPr lang="en-US" dirty="0" smtClean="0"/>
-              <a:t> </a:t>
-            </a:r>
-            <a:r>
-              <a:rPr lang="en-US" dirty="0" err="1" smtClean="0"/>
-              <a:t>adicionada</a:t>
-            </a:r>
-            <a:r>
-              <a:rPr lang="en-US" dirty="0" smtClean="0"/>
-              <a:t> </a:t>
-            </a:r>
-            <a:r>
-              <a:rPr lang="en-US" dirty="0" err="1" smtClean="0"/>
-              <a:t>para</a:t>
-            </a:r>
-            <a:r>
-              <a:rPr lang="en-US" dirty="0" smtClean="0"/>
-              <a:t> </a:t>
-            </a:r>
-            <a:r>
-              <a:rPr lang="en-US" dirty="0" err="1" smtClean="0"/>
-              <a:t>simplificar</a:t>
-            </a:r>
-            <a:r>
-              <a:rPr lang="en-US" dirty="0" smtClean="0"/>
-              <a:t> o </a:t>
-            </a:r>
-            <a:r>
-              <a:rPr lang="en-US" dirty="0" err="1" smtClean="0"/>
-              <a:t>uso</a:t>
-            </a:r>
-            <a:endParaRPr lang="en-US" dirty="0" smtClean="0"/>
+            <a:endParaRPr lang="pt-BR" dirty="0"/>
           </a:p>
         </p:txBody>
       </p:sp>
@@ -5731,7 +6097,7 @@
     </p:spTree>
     <p:extLst>
       <p:ext uri="{BB962C8B-B14F-4D97-AF65-F5344CB8AC3E}">
-        <p14:creationId xmlns:p14="http://schemas.microsoft.com/office/powerpoint/2010/main" val="3584538243"/>
+        <p14:creationId xmlns:p14="http://schemas.microsoft.com/office/powerpoint/2010/main" val="4014930662"/>
       </p:ext>
     </p:extLst>
   </p:cSld>
@@ -5775,7 +6141,7 @@
           <a:p>
             <a:r>
               <a:rPr lang="pt-BR" dirty="0" smtClean="0"/>
-              <a:t>Handshake</a:t>
+              <a:t>Filosofia de Projeto</a:t>
             </a:r>
             <a:endParaRPr lang="pt-BR" dirty="0"/>
           </a:p>
@@ -5794,250 +6160,360 @@
         <p:spPr/>
         <p:txBody>
           <a:bodyPr>
-            <a:normAutofit fontScale="62500" lnSpcReduction="20000"/>
+            <a:normAutofit/>
           </a:bodyPr>
           <a:lstStyle/>
           <a:p>
-            <a:pPr marL="0" indent="0">
-              <a:buNone/>
-            </a:pPr>
-            <a:r>
-              <a:rPr lang="pt-BR" dirty="0" smtClean="0"/>
-              <a:t>Cliente:</a:t>
-            </a:r>
-            <a:endParaRPr lang="pt-BR" dirty="0"/>
-          </a:p>
-          <a:p>
-            <a:pPr marL="0" indent="0">
-              <a:buNone/>
-            </a:pPr>
-            <a:r>
-              <a:rPr lang="pt-BR" dirty="0">
-                <a:latin typeface="Consolas" pitchFamily="49" charset="0"/>
-                <a:cs typeface="Consolas" pitchFamily="49" charset="0"/>
-              </a:rPr>
-              <a:t>        GET /chat HTTP/1.1</a:t>
-            </a:r>
-          </a:p>
-          <a:p>
-            <a:pPr marL="0" indent="0">
-              <a:buNone/>
-            </a:pPr>
-            <a:r>
-              <a:rPr lang="pt-BR" dirty="0">
-                <a:latin typeface="Consolas" pitchFamily="49" charset="0"/>
-                <a:cs typeface="Consolas" pitchFamily="49" charset="0"/>
-              </a:rPr>
-              <a:t>        Host: server.example.com</a:t>
-            </a:r>
-          </a:p>
-          <a:p>
-            <a:pPr marL="0" indent="0">
-              <a:buNone/>
-            </a:pPr>
-            <a:r>
-              <a:rPr lang="pt-BR" dirty="0">
-                <a:latin typeface="Consolas" pitchFamily="49" charset="0"/>
-                <a:cs typeface="Consolas" pitchFamily="49" charset="0"/>
-              </a:rPr>
-              <a:t>        Upgrade: websocket</a:t>
-            </a:r>
-          </a:p>
-          <a:p>
-            <a:pPr marL="0" indent="0">
-              <a:buNone/>
-            </a:pPr>
-            <a:r>
-              <a:rPr lang="pt-BR" dirty="0">
-                <a:latin typeface="Consolas" pitchFamily="49" charset="0"/>
-                <a:cs typeface="Consolas" pitchFamily="49" charset="0"/>
-              </a:rPr>
-              <a:t>        Connection: Upgrade</a:t>
-            </a:r>
-          </a:p>
-          <a:p>
-            <a:pPr marL="0" indent="0">
-              <a:buNone/>
-            </a:pPr>
-            <a:r>
-              <a:rPr lang="pt-BR" dirty="0">
-                <a:latin typeface="Consolas" pitchFamily="49" charset="0"/>
-                <a:cs typeface="Consolas" pitchFamily="49" charset="0"/>
-              </a:rPr>
-              <a:t>        Sec-WebSocket-Key: dGhlIHNhbXBsZSBub25jZQ==</a:t>
-            </a:r>
-          </a:p>
-          <a:p>
-            <a:pPr marL="0" indent="0">
-              <a:buNone/>
-            </a:pPr>
-            <a:r>
-              <a:rPr lang="pt-BR" dirty="0">
-                <a:latin typeface="Consolas" pitchFamily="49" charset="0"/>
-                <a:cs typeface="Consolas" pitchFamily="49" charset="0"/>
-              </a:rPr>
-              <a:t>        Origin: http://example.com</a:t>
-            </a:r>
-          </a:p>
-          <a:p>
-            <a:pPr marL="0" indent="0">
-              <a:buNone/>
-            </a:pPr>
-            <a:r>
-              <a:rPr lang="pt-BR" dirty="0">
-                <a:latin typeface="Consolas" pitchFamily="49" charset="0"/>
-                <a:cs typeface="Consolas" pitchFamily="49" charset="0"/>
-              </a:rPr>
-              <a:t>        Sec-WebSocket-Protocol: chat, superchat</a:t>
-            </a:r>
-          </a:p>
-          <a:p>
-            <a:pPr marL="0" indent="0">
-              <a:buNone/>
-            </a:pPr>
-            <a:r>
-              <a:rPr lang="pt-BR" dirty="0">
-                <a:latin typeface="Consolas" pitchFamily="49" charset="0"/>
-                <a:cs typeface="Consolas" pitchFamily="49" charset="0"/>
-              </a:rPr>
-              <a:t>        Sec-WebSocket-Version: 13</a:t>
-            </a:r>
-          </a:p>
-          <a:p>
-            <a:pPr marL="0" indent="0">
-              <a:buNone/>
-            </a:pPr>
-            <a:endParaRPr lang="pt-BR" dirty="0"/>
-          </a:p>
-          <a:p>
-            <a:pPr marL="0" indent="0">
-              <a:buNone/>
-            </a:pPr>
-            <a:r>
-              <a:rPr lang="pt-BR" dirty="0" smtClean="0"/>
-              <a:t>Servidor:</a:t>
-            </a:r>
-            <a:endParaRPr lang="pt-BR" dirty="0"/>
-          </a:p>
-          <a:p>
-            <a:pPr marL="0" indent="0">
-              <a:buNone/>
-            </a:pPr>
-            <a:r>
-              <a:rPr lang="pt-BR" dirty="0">
-                <a:latin typeface="Consolas" pitchFamily="49" charset="0"/>
-                <a:cs typeface="Consolas" pitchFamily="49" charset="0"/>
-              </a:rPr>
-              <a:t>        HTTP/1.1 101 Switching Protocols</a:t>
-            </a:r>
-          </a:p>
-          <a:p>
-            <a:pPr marL="0" indent="0">
-              <a:buNone/>
-            </a:pPr>
-            <a:r>
-              <a:rPr lang="pt-BR" dirty="0">
-                <a:latin typeface="Consolas" pitchFamily="49" charset="0"/>
-                <a:cs typeface="Consolas" pitchFamily="49" charset="0"/>
-              </a:rPr>
-              <a:t>        Upgrade: websocket</a:t>
-            </a:r>
-          </a:p>
-          <a:p>
-            <a:pPr marL="0" indent="0">
-              <a:buNone/>
-            </a:pPr>
-            <a:r>
-              <a:rPr lang="pt-BR" dirty="0">
-                <a:latin typeface="Consolas" pitchFamily="49" charset="0"/>
-                <a:cs typeface="Consolas" pitchFamily="49" charset="0"/>
-              </a:rPr>
-              <a:t>        Connection: Upgrade</a:t>
-            </a:r>
-          </a:p>
-          <a:p>
-            <a:pPr marL="0" indent="0">
-              <a:buNone/>
-            </a:pPr>
-            <a:r>
-              <a:rPr lang="pt-BR" dirty="0">
-                <a:latin typeface="Consolas" pitchFamily="49" charset="0"/>
-                <a:cs typeface="Consolas" pitchFamily="49" charset="0"/>
-              </a:rPr>
-              <a:t>        Sec-WebSocket-Accept: s3pPLMBiTxaQ9kYGzzhZRbK+xOo=</a:t>
-            </a:r>
-          </a:p>
-          <a:p>
-            <a:pPr marL="0" indent="0">
-              <a:buNone/>
-            </a:pPr>
-            <a:r>
-              <a:rPr lang="pt-BR" dirty="0">
-                <a:latin typeface="Consolas" pitchFamily="49" charset="0"/>
-                <a:cs typeface="Consolas" pitchFamily="49" charset="0"/>
-              </a:rPr>
-              <a:t>        Sec-WebSocket-Protocol: </a:t>
-            </a:r>
-            <a:r>
-              <a:rPr lang="pt-BR" dirty="0" smtClean="0">
-                <a:latin typeface="Consolas" pitchFamily="49" charset="0"/>
-                <a:cs typeface="Consolas" pitchFamily="49" charset="0"/>
-              </a:rPr>
-              <a:t>chat</a:t>
-            </a:r>
-          </a:p>
-          <a:p>
-            <a:pPr marL="0" indent="0">
-              <a:buNone/>
-            </a:pPr>
-            <a:endParaRPr lang="pt-BR" dirty="0">
-              <a:latin typeface="Consolas" pitchFamily="49" charset="0"/>
-              <a:cs typeface="Consolas" pitchFamily="49" charset="0"/>
-            </a:endParaRPr>
-          </a:p>
-          <a:p>
-            <a:pPr marL="0" indent="0">
-              <a:buNone/>
-            </a:pPr>
-            <a:r>
-              <a:rPr lang="pt-BR" dirty="0" smtClean="0">
-                <a:cs typeface="Consolas" pitchFamily="49" charset="0"/>
-              </a:rPr>
-              <a:t>Handshake de fechamento: ambos os lados enviam um quadro de controle</a:t>
-            </a:r>
-          </a:p>
-          <a:p>
-            <a:pPr marL="0" indent="0">
-              <a:buNone/>
-            </a:pPr>
-            <a:endParaRPr lang="pt-BR" dirty="0">
-              <a:cs typeface="Consolas" pitchFamily="49" charset="0"/>
-            </a:endParaRPr>
-          </a:p>
-          <a:p>
-            <a:pPr marL="0" indent="0">
-              <a:buNone/>
-            </a:pPr>
-            <a:r>
-              <a:rPr lang="pt-BR" dirty="0" smtClean="0">
-                <a:cs typeface="Consolas" pitchFamily="49" charset="0"/>
-              </a:rPr>
-              <a:t>É um protocolo sobre o TCP indepentente do HTTP</a:t>
-            </a:r>
-          </a:p>
-          <a:p>
-            <a:pPr marL="0" indent="0">
-              <a:buNone/>
-            </a:pPr>
-            <a:r>
-              <a:rPr lang="pt-BR" dirty="0" smtClean="0">
-                <a:cs typeface="Consolas" pitchFamily="49" charset="0"/>
-              </a:rPr>
-              <a:t>Apenas o handshake é interpretado como uma requisição de upgrade HTTP</a:t>
-            </a:r>
-            <a:endParaRPr lang="pt-BR" dirty="0">
-              <a:cs typeface="Consolas" pitchFamily="49" charset="0"/>
-            </a:endParaRPr>
+            <a:r>
+              <a:rPr lang="en-US" dirty="0" err="1" smtClean="0"/>
+              <a:t>Camada</a:t>
+            </a:r>
+            <a:r>
+              <a:rPr lang="en-US" dirty="0" smtClean="0"/>
+              <a:t> </a:t>
+            </a:r>
+            <a:r>
+              <a:rPr lang="en-US" dirty="0" err="1" smtClean="0"/>
+              <a:t>sobre</a:t>
+            </a:r>
+            <a:r>
+              <a:rPr lang="en-US" dirty="0" smtClean="0"/>
+              <a:t> o TCP</a:t>
+            </a:r>
+            <a:endParaRPr lang="en-US" dirty="0"/>
+          </a:p>
+          <a:p>
+            <a:r>
+              <a:rPr lang="en-US" dirty="0" err="1" smtClean="0"/>
+              <a:t>Serviço</a:t>
+            </a:r>
+            <a:r>
+              <a:rPr lang="en-US" dirty="0" smtClean="0"/>
+              <a:t> </a:t>
+            </a:r>
+            <a:r>
+              <a:rPr lang="en-US" dirty="0" err="1" smtClean="0"/>
+              <a:t>oferecido</a:t>
+            </a:r>
+            <a:r>
+              <a:rPr lang="en-US" dirty="0" smtClean="0"/>
+              <a:t> é </a:t>
+            </a:r>
+            <a:r>
+              <a:rPr lang="en-US" dirty="0" err="1" smtClean="0"/>
+              <a:t>próximo</a:t>
+            </a:r>
+            <a:r>
+              <a:rPr lang="en-US" dirty="0" smtClean="0"/>
+              <a:t> do TCP</a:t>
+            </a:r>
+          </a:p>
+          <a:p>
+            <a:r>
+              <a:rPr lang="en-US" dirty="0" err="1" smtClean="0"/>
+              <a:t>Diferenças</a:t>
+            </a:r>
+            <a:endParaRPr lang="en-US" dirty="0" smtClean="0"/>
+          </a:p>
+          <a:p>
+            <a:pPr lvl="1"/>
+            <a:r>
+              <a:rPr lang="en-US" dirty="0" err="1"/>
+              <a:t>Segurança</a:t>
+            </a:r>
+            <a:r>
+              <a:rPr lang="en-US" dirty="0"/>
+              <a:t> </a:t>
+            </a:r>
+            <a:r>
+              <a:rPr lang="en-US" dirty="0" err="1"/>
+              <a:t>baseada</a:t>
+            </a:r>
+            <a:r>
+              <a:rPr lang="en-US" dirty="0"/>
+              <a:t> </a:t>
+            </a:r>
+            <a:r>
+              <a:rPr lang="en-US" dirty="0" err="1"/>
+              <a:t>em</a:t>
+            </a:r>
+            <a:r>
+              <a:rPr lang="en-US" dirty="0"/>
+              <a:t> </a:t>
+            </a:r>
+            <a:r>
+              <a:rPr lang="en-US" dirty="0" err="1"/>
+              <a:t>origem</a:t>
+            </a:r>
+            <a:r>
+              <a:rPr lang="en-US" dirty="0"/>
+              <a:t> (XSS, CSRF)</a:t>
+            </a:r>
+          </a:p>
+          <a:p>
+            <a:pPr lvl="1"/>
+            <a:r>
+              <a:rPr lang="en-US" dirty="0" err="1"/>
+              <a:t>Endereçamento</a:t>
+            </a:r>
+            <a:r>
+              <a:rPr lang="en-US" dirty="0"/>
+              <a:t> e </a:t>
+            </a:r>
+            <a:r>
+              <a:rPr lang="en-US" dirty="0" err="1"/>
+              <a:t>subprotocolos</a:t>
+            </a:r>
+            <a:r>
+              <a:rPr lang="en-US" dirty="0"/>
+              <a:t> </a:t>
+            </a:r>
+            <a:r>
+              <a:rPr lang="en-US" dirty="0" err="1"/>
+              <a:t>para</a:t>
+            </a:r>
+            <a:r>
+              <a:rPr lang="en-US" dirty="0"/>
+              <a:t> </a:t>
+            </a:r>
+            <a:r>
+              <a:rPr lang="en-US" dirty="0" err="1"/>
+              <a:t>suportar</a:t>
+            </a:r>
+            <a:r>
+              <a:rPr lang="en-US" dirty="0"/>
+              <a:t> </a:t>
+            </a:r>
+            <a:r>
+              <a:rPr lang="en-US" dirty="0" err="1"/>
+              <a:t>múltiplos</a:t>
+            </a:r>
+            <a:r>
+              <a:rPr lang="en-US" dirty="0"/>
+              <a:t> </a:t>
+            </a:r>
+            <a:r>
+              <a:rPr lang="en-US" dirty="0" err="1"/>
+              <a:t>serviços</a:t>
+            </a:r>
+            <a:r>
+              <a:rPr lang="en-US" dirty="0"/>
+              <a:t> </a:t>
+            </a:r>
+            <a:r>
+              <a:rPr lang="en-US" dirty="0" err="1"/>
+              <a:t>em</a:t>
+            </a:r>
+            <a:r>
+              <a:rPr lang="en-US" dirty="0"/>
+              <a:t> </a:t>
+            </a:r>
+            <a:r>
+              <a:rPr lang="en-US" dirty="0" err="1"/>
+              <a:t>uma</a:t>
+            </a:r>
+            <a:r>
+              <a:rPr lang="en-US" dirty="0"/>
+              <a:t> </a:t>
+            </a:r>
+            <a:r>
+              <a:rPr lang="en-US" dirty="0" err="1"/>
+              <a:t>mesma</a:t>
+            </a:r>
+            <a:r>
+              <a:rPr lang="en-US" dirty="0"/>
+              <a:t> </a:t>
+            </a:r>
+            <a:r>
+              <a:rPr lang="en-US" dirty="0" err="1"/>
+              <a:t>porta</a:t>
+            </a:r>
+            <a:r>
+              <a:rPr lang="en-US" dirty="0"/>
+              <a:t> e </a:t>
+            </a:r>
+            <a:r>
+              <a:rPr lang="en-US" dirty="0" err="1"/>
+              <a:t>múltiplos</a:t>
+            </a:r>
+            <a:r>
+              <a:rPr lang="en-US" dirty="0"/>
+              <a:t> </a:t>
+            </a:r>
+            <a:r>
+              <a:rPr lang="en-US" dirty="0" err="1"/>
+              <a:t>nomes</a:t>
+            </a:r>
+            <a:r>
+              <a:rPr lang="en-US" dirty="0"/>
+              <a:t> de host no </a:t>
+            </a:r>
+            <a:r>
+              <a:rPr lang="en-US" dirty="0" err="1"/>
+              <a:t>mesmo</a:t>
+            </a:r>
+            <a:r>
+              <a:rPr lang="en-US" dirty="0"/>
+              <a:t> </a:t>
+            </a:r>
+            <a:r>
+              <a:rPr lang="en-US" dirty="0" err="1"/>
+              <a:t>ip</a:t>
+            </a:r>
+            <a:endParaRPr lang="en-US" dirty="0"/>
+          </a:p>
+          <a:p>
+            <a:pPr lvl="1"/>
+            <a:r>
+              <a:rPr lang="en-US" dirty="0" err="1"/>
+              <a:t>Mecanismo</a:t>
+            </a:r>
+            <a:r>
+              <a:rPr lang="en-US" dirty="0"/>
+              <a:t> de </a:t>
+            </a:r>
+            <a:r>
+              <a:rPr lang="en-US" dirty="0" err="1" smtClean="0"/>
+              <a:t>quadros</a:t>
+            </a:r>
+            <a:r>
+              <a:rPr lang="en-US" dirty="0" smtClean="0"/>
+              <a:t> e </a:t>
+            </a:r>
+            <a:r>
+              <a:rPr lang="en-US" dirty="0" err="1" smtClean="0"/>
+              <a:t>tipo</a:t>
+            </a:r>
+            <a:r>
+              <a:rPr lang="en-US" smtClean="0"/>
+              <a:t> de dados</a:t>
+            </a:r>
+            <a:endParaRPr lang="en-US" dirty="0"/>
+          </a:p>
+          <a:p>
+            <a:pPr lvl="1"/>
+            <a:r>
+              <a:rPr lang="en-US" dirty="0"/>
+              <a:t>Handshake de </a:t>
+            </a:r>
+            <a:r>
+              <a:rPr lang="en-US" dirty="0" err="1"/>
+              <a:t>despedida</a:t>
+            </a:r>
+            <a:r>
+              <a:rPr lang="en-US" dirty="0"/>
+              <a:t> extra </a:t>
+            </a:r>
+            <a:r>
+              <a:rPr lang="en-US" dirty="0" err="1"/>
+              <a:t>para</a:t>
+            </a:r>
+            <a:r>
+              <a:rPr lang="en-US" dirty="0"/>
+              <a:t> </a:t>
+            </a:r>
+            <a:r>
+              <a:rPr lang="en-US" dirty="0" err="1"/>
+              <a:t>contornar</a:t>
+            </a:r>
+            <a:r>
+              <a:rPr lang="en-US" dirty="0"/>
+              <a:t> </a:t>
+            </a:r>
+            <a:r>
+              <a:rPr lang="en-US" dirty="0" err="1"/>
+              <a:t>problemas</a:t>
+            </a:r>
+            <a:r>
+              <a:rPr lang="en-US" dirty="0"/>
+              <a:t> com proxies e </a:t>
+            </a:r>
+            <a:r>
+              <a:rPr lang="en-US" dirty="0" err="1" smtClean="0"/>
+              <a:t>intermediários</a:t>
+            </a:r>
+            <a:endParaRPr lang="en-US" dirty="0" smtClean="0"/>
+          </a:p>
+          <a:p>
+            <a:r>
+              <a:rPr lang="en-US" dirty="0" err="1" smtClean="0"/>
+              <a:t>Pode</a:t>
+            </a:r>
+            <a:r>
+              <a:rPr lang="en-US" dirty="0" smtClean="0"/>
+              <a:t> </a:t>
+            </a:r>
+            <a:r>
+              <a:rPr lang="en-US" dirty="0" err="1" smtClean="0"/>
+              <a:t>compartilhar</a:t>
+            </a:r>
+            <a:r>
+              <a:rPr lang="en-US" dirty="0" smtClean="0"/>
+              <a:t> a </a:t>
+            </a:r>
+            <a:r>
+              <a:rPr lang="en-US" dirty="0" err="1" smtClean="0"/>
+              <a:t>porta</a:t>
+            </a:r>
+            <a:r>
+              <a:rPr lang="en-US" dirty="0" smtClean="0"/>
+              <a:t> com </a:t>
+            </a:r>
+            <a:r>
+              <a:rPr lang="en-US" dirty="0" err="1" smtClean="0"/>
+              <a:t>servidor</a:t>
+            </a:r>
+            <a:r>
+              <a:rPr lang="en-US" dirty="0" smtClean="0"/>
+              <a:t> HTTP</a:t>
+            </a:r>
+          </a:p>
+          <a:p>
+            <a:r>
+              <a:rPr lang="en-US" dirty="0" err="1" smtClean="0"/>
+              <a:t>Semântica</a:t>
+            </a:r>
+            <a:r>
+              <a:rPr lang="en-US" dirty="0" smtClean="0"/>
+              <a:t> de </a:t>
+            </a:r>
+            <a:r>
+              <a:rPr lang="en-US" dirty="0" err="1" smtClean="0"/>
+              <a:t>mensagem</a:t>
+            </a:r>
+            <a:r>
+              <a:rPr lang="en-US" dirty="0" smtClean="0"/>
+              <a:t> </a:t>
+            </a:r>
+            <a:r>
+              <a:rPr lang="en-US" dirty="0" err="1" smtClean="0"/>
+              <a:t>adicionada</a:t>
+            </a:r>
+            <a:r>
+              <a:rPr lang="en-US" dirty="0" smtClean="0"/>
+              <a:t> </a:t>
+            </a:r>
+            <a:r>
+              <a:rPr lang="en-US" dirty="0" err="1" smtClean="0"/>
+              <a:t>para</a:t>
+            </a:r>
+            <a:r>
+              <a:rPr lang="en-US" dirty="0" smtClean="0"/>
+              <a:t> </a:t>
+            </a:r>
+            <a:r>
+              <a:rPr lang="en-US" dirty="0" err="1" smtClean="0"/>
+              <a:t>simplificar</a:t>
+            </a:r>
+            <a:r>
+              <a:rPr lang="en-US" dirty="0" smtClean="0"/>
+              <a:t> o </a:t>
+            </a:r>
+            <a:r>
+              <a:rPr lang="en-US" dirty="0" err="1" smtClean="0"/>
+              <a:t>uso</a:t>
+            </a:r>
+            <a:endParaRPr lang="en-US" dirty="0" smtClean="0"/>
           </a:p>
         </p:txBody>
       </p:sp>
@@ -6113,7 +6589,7 @@
     </p:spTree>
     <p:extLst>
       <p:ext uri="{BB962C8B-B14F-4D97-AF65-F5344CB8AC3E}">
-        <p14:creationId xmlns:p14="http://schemas.microsoft.com/office/powerpoint/2010/main" val="1559011599"/>
+        <p14:creationId xmlns:p14="http://schemas.microsoft.com/office/powerpoint/2010/main" val="3584538243"/>
       </p:ext>
     </p:extLst>
   </p:cSld>
@@ -6157,7 +6633,7 @@
           <a:p>
             <a:r>
               <a:rPr lang="pt-BR" dirty="0" smtClean="0"/>
-              <a:t>Data Transfer</a:t>
+              <a:t>Handshake</a:t>
             </a:r>
             <a:endParaRPr lang="pt-BR" dirty="0"/>
           </a:p>
@@ -6175,28 +6651,231 @@
         </p:nvSpPr>
         <p:spPr/>
         <p:txBody>
-          <a:bodyPr/>
-          <a:lstStyle/>
-          <a:p>
+          <a:bodyPr>
+            <a:normAutofit fontScale="62500" lnSpcReduction="20000"/>
+          </a:bodyPr>
+          <a:lstStyle/>
+          <a:p>
+            <a:pPr marL="0" indent="0">
+              <a:buNone/>
+            </a:pPr>
             <a:r>
               <a:rPr lang="pt-BR" dirty="0" smtClean="0"/>
-              <a:t>Troca de dados em forma de mensagens</a:t>
-            </a:r>
-          </a:p>
-          <a:p>
-            <a:pPr lvl="1"/>
+              <a:t>Cliente:</a:t>
+            </a:r>
+            <a:endParaRPr lang="pt-BR" dirty="0"/>
+          </a:p>
+          <a:p>
+            <a:pPr marL="0" indent="0">
+              <a:buNone/>
+            </a:pPr>
+            <a:r>
+              <a:rPr lang="pt-BR" dirty="0">
+                <a:latin typeface="Consolas" pitchFamily="49" charset="0"/>
+                <a:cs typeface="Consolas" pitchFamily="49" charset="0"/>
+              </a:rPr>
+              <a:t>        GET /chat HTTP/1.1</a:t>
+            </a:r>
+          </a:p>
+          <a:p>
+            <a:pPr marL="0" indent="0">
+              <a:buNone/>
+            </a:pPr>
+            <a:r>
+              <a:rPr lang="pt-BR" dirty="0">
+                <a:latin typeface="Consolas" pitchFamily="49" charset="0"/>
+                <a:cs typeface="Consolas" pitchFamily="49" charset="0"/>
+              </a:rPr>
+              <a:t>        Host: server.example.com</a:t>
+            </a:r>
+          </a:p>
+          <a:p>
+            <a:pPr marL="0" indent="0">
+              <a:buNone/>
+            </a:pPr>
+            <a:r>
+              <a:rPr lang="pt-BR" dirty="0">
+                <a:latin typeface="Consolas" pitchFamily="49" charset="0"/>
+                <a:cs typeface="Consolas" pitchFamily="49" charset="0"/>
+              </a:rPr>
+              <a:t>        Upgrade: websocket</a:t>
+            </a:r>
+          </a:p>
+          <a:p>
+            <a:pPr marL="0" indent="0">
+              <a:buNone/>
+            </a:pPr>
+            <a:r>
+              <a:rPr lang="pt-BR" dirty="0">
+                <a:latin typeface="Consolas" pitchFamily="49" charset="0"/>
+                <a:cs typeface="Consolas" pitchFamily="49" charset="0"/>
+              </a:rPr>
+              <a:t>        Connection: Upgrade</a:t>
+            </a:r>
+          </a:p>
+          <a:p>
+            <a:pPr marL="0" indent="0">
+              <a:buNone/>
+            </a:pPr>
+            <a:r>
+              <a:rPr lang="pt-BR" dirty="0">
+                <a:latin typeface="Consolas" pitchFamily="49" charset="0"/>
+                <a:cs typeface="Consolas" pitchFamily="49" charset="0"/>
+              </a:rPr>
+              <a:t>        Sec-WebSocket-Key: dGhlIHNhbXBsZSBub25jZQ==</a:t>
+            </a:r>
+          </a:p>
+          <a:p>
+            <a:pPr marL="0" indent="0">
+              <a:buNone/>
+            </a:pPr>
+            <a:r>
+              <a:rPr lang="pt-BR" dirty="0">
+                <a:latin typeface="Consolas" pitchFamily="49" charset="0"/>
+                <a:cs typeface="Consolas" pitchFamily="49" charset="0"/>
+              </a:rPr>
+              <a:t>        Origin: http://example.com</a:t>
+            </a:r>
+          </a:p>
+          <a:p>
+            <a:pPr marL="0" indent="0">
+              <a:buNone/>
+            </a:pPr>
+            <a:r>
+              <a:rPr lang="pt-BR" dirty="0">
+                <a:latin typeface="Consolas" pitchFamily="49" charset="0"/>
+                <a:cs typeface="Consolas" pitchFamily="49" charset="0"/>
+              </a:rPr>
+              <a:t>        Sec-WebSocket-Protocol: chat, superchat</a:t>
+            </a:r>
+          </a:p>
+          <a:p>
+            <a:pPr marL="0" indent="0">
+              <a:buNone/>
+            </a:pPr>
+            <a:r>
+              <a:rPr lang="pt-BR" dirty="0">
+                <a:latin typeface="Consolas" pitchFamily="49" charset="0"/>
+                <a:cs typeface="Consolas" pitchFamily="49" charset="0"/>
+              </a:rPr>
+              <a:t>        Sec-WebSocket-Version: 13</a:t>
+            </a:r>
+          </a:p>
+          <a:p>
+            <a:pPr marL="0" indent="0">
+              <a:buNone/>
+            </a:pPr>
+            <a:endParaRPr lang="pt-BR" dirty="0"/>
+          </a:p>
+          <a:p>
+            <a:pPr marL="0" indent="0">
+              <a:buNone/>
+            </a:pPr>
             <a:r>
               <a:rPr lang="pt-BR" dirty="0" smtClean="0"/>
-              <a:t>Podem ser compostas por vários quadros</a:t>
-            </a:r>
-          </a:p>
-          <a:p>
-            <a:pPr lvl="1"/>
-            <a:r>
-              <a:rPr lang="pt-BR" dirty="0" smtClean="0"/>
-              <a:t>Quadros possuem tipos: binário, texto, ou controle</a:t>
+              <a:t>Servidor:</a:t>
             </a:r>
             <a:endParaRPr lang="pt-BR" dirty="0"/>
+          </a:p>
+          <a:p>
+            <a:pPr marL="0" indent="0">
+              <a:buNone/>
+            </a:pPr>
+            <a:r>
+              <a:rPr lang="pt-BR" dirty="0">
+                <a:latin typeface="Consolas" pitchFamily="49" charset="0"/>
+                <a:cs typeface="Consolas" pitchFamily="49" charset="0"/>
+              </a:rPr>
+              <a:t>        HTTP/1.1 101 Switching Protocols</a:t>
+            </a:r>
+          </a:p>
+          <a:p>
+            <a:pPr marL="0" indent="0">
+              <a:buNone/>
+            </a:pPr>
+            <a:r>
+              <a:rPr lang="pt-BR" dirty="0">
+                <a:latin typeface="Consolas" pitchFamily="49" charset="0"/>
+                <a:cs typeface="Consolas" pitchFamily="49" charset="0"/>
+              </a:rPr>
+              <a:t>        Upgrade: websocket</a:t>
+            </a:r>
+          </a:p>
+          <a:p>
+            <a:pPr marL="0" indent="0">
+              <a:buNone/>
+            </a:pPr>
+            <a:r>
+              <a:rPr lang="pt-BR" dirty="0">
+                <a:latin typeface="Consolas" pitchFamily="49" charset="0"/>
+                <a:cs typeface="Consolas" pitchFamily="49" charset="0"/>
+              </a:rPr>
+              <a:t>        Connection: Upgrade</a:t>
+            </a:r>
+          </a:p>
+          <a:p>
+            <a:pPr marL="0" indent="0">
+              <a:buNone/>
+            </a:pPr>
+            <a:r>
+              <a:rPr lang="pt-BR" dirty="0">
+                <a:latin typeface="Consolas" pitchFamily="49" charset="0"/>
+                <a:cs typeface="Consolas" pitchFamily="49" charset="0"/>
+              </a:rPr>
+              <a:t>        Sec-WebSocket-Accept: s3pPLMBiTxaQ9kYGzzhZRbK+xOo=</a:t>
+            </a:r>
+          </a:p>
+          <a:p>
+            <a:pPr marL="0" indent="0">
+              <a:buNone/>
+            </a:pPr>
+            <a:r>
+              <a:rPr lang="pt-BR" dirty="0">
+                <a:latin typeface="Consolas" pitchFamily="49" charset="0"/>
+                <a:cs typeface="Consolas" pitchFamily="49" charset="0"/>
+              </a:rPr>
+              <a:t>        Sec-WebSocket-Protocol: </a:t>
+            </a:r>
+            <a:r>
+              <a:rPr lang="pt-BR" dirty="0" smtClean="0">
+                <a:latin typeface="Consolas" pitchFamily="49" charset="0"/>
+                <a:cs typeface="Consolas" pitchFamily="49" charset="0"/>
+              </a:rPr>
+              <a:t>chat</a:t>
+            </a:r>
+          </a:p>
+          <a:p>
+            <a:pPr marL="0" indent="0">
+              <a:buNone/>
+            </a:pPr>
+            <a:endParaRPr lang="pt-BR" dirty="0">
+              <a:cs typeface="Consolas" pitchFamily="49" charset="0"/>
+            </a:endParaRPr>
+          </a:p>
+          <a:p>
+            <a:pPr marL="0" indent="0">
+              <a:buNone/>
+            </a:pPr>
+            <a:r>
+              <a:rPr lang="pt-BR" sz="2900" dirty="0" smtClean="0">
+                <a:cs typeface="Consolas" pitchFamily="49" charset="0"/>
+              </a:rPr>
+              <a:t>É um protocolo sobre o TCP indepentente do HTTP</a:t>
+            </a:r>
+          </a:p>
+          <a:p>
+            <a:pPr marL="0" indent="0">
+              <a:buNone/>
+            </a:pPr>
+            <a:r>
+              <a:rPr lang="pt-BR" sz="2900" dirty="0" smtClean="0">
+                <a:cs typeface="Consolas" pitchFamily="49" charset="0"/>
+              </a:rPr>
+              <a:t>Apenas o handshake é interpretado como uma requisição de upgrade HTTP</a:t>
+            </a:r>
+            <a:endParaRPr lang="pt-BR" sz="2900" dirty="0">
+              <a:cs typeface="Consolas" pitchFamily="49" charset="0"/>
+            </a:endParaRPr>
           </a:p>
         </p:txBody>
       </p:sp>
@@ -6272,7 +6951,7 @@
     </p:spTree>
     <p:extLst>
       <p:ext uri="{BB962C8B-B14F-4D97-AF65-F5344CB8AC3E}">
-        <p14:creationId xmlns:p14="http://schemas.microsoft.com/office/powerpoint/2010/main" val="2036358507"/>
+        <p14:creationId xmlns:p14="http://schemas.microsoft.com/office/powerpoint/2010/main" val="1559011599"/>
       </p:ext>
     </p:extLst>
   </p:cSld>
@@ -6316,7 +6995,7 @@
           <a:p>
             <a:r>
               <a:rPr lang="pt-BR" dirty="0" smtClean="0"/>
-              <a:t>Segurança</a:t>
+              <a:t>Data Transfer</a:t>
             </a:r>
             <a:endParaRPr lang="pt-BR" dirty="0"/>
           </a:p>
@@ -6334,294 +7013,26 @@
         </p:nvSpPr>
         <p:spPr/>
         <p:txBody>
-          <a:bodyPr>
-            <a:normAutofit/>
-          </a:bodyPr>
-          <a:lstStyle/>
-          <a:p>
-            <a:r>
-              <a:rPr lang="en-US" dirty="0" err="1" smtClean="0"/>
-              <a:t>Modelo</a:t>
-            </a:r>
-            <a:r>
-              <a:rPr lang="en-US" dirty="0" smtClean="0"/>
-              <a:t> de </a:t>
-            </a:r>
-            <a:r>
-              <a:rPr lang="en-US" dirty="0" err="1" smtClean="0"/>
-              <a:t>origem</a:t>
-            </a:r>
-            <a:endParaRPr lang="en-US" dirty="0"/>
+          <a:bodyPr/>
+          <a:lstStyle/>
+          <a:p>
+            <a:r>
+              <a:rPr lang="pt-BR" dirty="0" smtClean="0"/>
+              <a:t>Troca de dados em forma de mensagens</a:t>
+            </a:r>
           </a:p>
           <a:p>
             <a:pPr lvl="1"/>
             <a:r>
-              <a:rPr lang="en-US" dirty="0" err="1" smtClean="0"/>
-              <a:t>Muito</a:t>
-            </a:r>
-            <a:r>
-              <a:rPr lang="en-US" dirty="0" smtClean="0"/>
-              <a:t> </a:t>
-            </a:r>
-            <a:r>
-              <a:rPr lang="en-US" dirty="0" err="1" smtClean="0"/>
-              <a:t>útil</a:t>
-            </a:r>
-            <a:r>
-              <a:rPr lang="en-US" dirty="0" smtClean="0"/>
-              <a:t> </a:t>
-            </a:r>
-            <a:r>
-              <a:rPr lang="en-US" dirty="0" err="1" smtClean="0"/>
-              <a:t>para</a:t>
-            </a:r>
-            <a:r>
-              <a:rPr lang="en-US" dirty="0" smtClean="0"/>
-              <a:t> browsers</a:t>
+              <a:rPr lang="pt-BR" dirty="0" smtClean="0"/>
+              <a:t>Podem ser compostas por vários quadros</a:t>
             </a:r>
           </a:p>
           <a:p>
             <a:pPr lvl="1"/>
             <a:r>
-              <a:rPr lang="en-US" dirty="0" err="1" smtClean="0"/>
-              <a:t>Inútil</a:t>
-            </a:r>
-            <a:r>
-              <a:rPr lang="en-US" dirty="0"/>
-              <a:t> </a:t>
-            </a:r>
-            <a:r>
-              <a:rPr lang="en-US" dirty="0" err="1" smtClean="0"/>
-              <a:t>para</a:t>
-            </a:r>
-            <a:r>
-              <a:rPr lang="en-US" dirty="0" smtClean="0"/>
-              <a:t> </a:t>
-            </a:r>
-            <a:r>
-              <a:rPr lang="en-US" dirty="0" err="1" smtClean="0"/>
-              <a:t>clientes</a:t>
-            </a:r>
-            <a:r>
-              <a:rPr lang="en-US" dirty="0" smtClean="0"/>
-              <a:t> </a:t>
-            </a:r>
-            <a:r>
-              <a:rPr lang="en-US" dirty="0" err="1" smtClean="0"/>
-              <a:t>dedicados</a:t>
-            </a:r>
-            <a:endParaRPr lang="en-US" dirty="0" smtClean="0"/>
-          </a:p>
-          <a:p>
-            <a:r>
-              <a:rPr lang="en-US" dirty="0" err="1" smtClean="0"/>
-              <a:t>Falha</a:t>
-            </a:r>
-            <a:r>
-              <a:rPr lang="en-US" dirty="0" smtClean="0"/>
-              <a:t> </a:t>
-            </a:r>
-            <a:r>
-              <a:rPr lang="en-US" dirty="0" err="1" smtClean="0"/>
-              <a:t>ao</a:t>
-            </a:r>
-            <a:r>
-              <a:rPr lang="en-US" dirty="0" smtClean="0"/>
-              <a:t> se </a:t>
-            </a:r>
-            <a:r>
-              <a:rPr lang="en-US" dirty="0" err="1" smtClean="0"/>
-              <a:t>tentar</a:t>
-            </a:r>
-            <a:r>
-              <a:rPr lang="en-US" dirty="0" smtClean="0"/>
-              <a:t> </a:t>
-            </a:r>
-            <a:r>
-              <a:rPr lang="en-US" dirty="0" err="1" smtClean="0"/>
-              <a:t>conectar</a:t>
-            </a:r>
-            <a:r>
-              <a:rPr lang="en-US" dirty="0" smtClean="0"/>
-              <a:t> com um </a:t>
-            </a:r>
-            <a:r>
-              <a:rPr lang="en-US" dirty="0" err="1" smtClean="0"/>
-              <a:t>servidor</a:t>
-            </a:r>
-            <a:r>
-              <a:rPr lang="en-US" dirty="0" smtClean="0"/>
-              <a:t> de outros </a:t>
-            </a:r>
-            <a:r>
-              <a:rPr lang="en-US" dirty="0" err="1" smtClean="0"/>
-              <a:t>protocolos</a:t>
-            </a:r>
-            <a:endParaRPr lang="en-US" dirty="0" smtClean="0"/>
-          </a:p>
-          <a:p>
-            <a:r>
-              <a:rPr lang="en-US" dirty="0" err="1" smtClean="0"/>
-              <a:t>Cabeçalhos</a:t>
-            </a:r>
-            <a:r>
-              <a:rPr lang="en-US" dirty="0" smtClean="0"/>
-              <a:t> Sec-* no </a:t>
-            </a:r>
-            <a:r>
-              <a:rPr lang="en-US" dirty="0" err="1" smtClean="0"/>
-              <a:t>cabeçalho</a:t>
-            </a:r>
-            <a:r>
-              <a:rPr lang="en-US" dirty="0" smtClean="0"/>
-              <a:t> do </a:t>
-            </a:r>
-            <a:r>
-              <a:rPr lang="en-US" dirty="0" err="1" smtClean="0"/>
-              <a:t>cliente</a:t>
-            </a:r>
-            <a:r>
-              <a:rPr lang="en-US" dirty="0" smtClean="0"/>
-              <a:t> </a:t>
-            </a:r>
-          </a:p>
-          <a:p>
-            <a:pPr lvl="1"/>
-            <a:r>
-              <a:rPr lang="en-US" dirty="0" err="1" smtClean="0"/>
-              <a:t>Não</a:t>
-            </a:r>
-            <a:r>
-              <a:rPr lang="en-US" dirty="0" smtClean="0"/>
-              <a:t> </a:t>
-            </a:r>
-            <a:r>
-              <a:rPr lang="en-US" dirty="0" err="1" smtClean="0"/>
-              <a:t>podem</a:t>
-            </a:r>
-            <a:r>
-              <a:rPr lang="en-US" dirty="0" smtClean="0"/>
-              <a:t> </a:t>
-            </a:r>
-            <a:r>
-              <a:rPr lang="en-US" dirty="0" err="1" smtClean="0"/>
-              <a:t>ser</a:t>
-            </a:r>
-            <a:r>
-              <a:rPr lang="en-US" dirty="0" smtClean="0"/>
-              <a:t> </a:t>
-            </a:r>
-            <a:r>
-              <a:rPr lang="en-US" dirty="0" err="1" smtClean="0"/>
-              <a:t>setados</a:t>
-            </a:r>
-            <a:r>
-              <a:rPr lang="en-US" dirty="0" smtClean="0"/>
-              <a:t> </a:t>
-            </a:r>
-            <a:r>
-              <a:rPr lang="en-US" dirty="0" err="1" smtClean="0"/>
-              <a:t>por</a:t>
-            </a:r>
-            <a:r>
-              <a:rPr lang="en-US" dirty="0" smtClean="0"/>
-              <a:t> </a:t>
-            </a:r>
-            <a:r>
-              <a:rPr lang="en-US" dirty="0" err="1" smtClean="0"/>
-              <a:t>atacantes</a:t>
-            </a:r>
-            <a:r>
-              <a:rPr lang="en-US" dirty="0" smtClean="0"/>
-              <a:t> </a:t>
-            </a:r>
-            <a:r>
-              <a:rPr lang="en-US" dirty="0" err="1" smtClean="0"/>
-              <a:t>usando</a:t>
-            </a:r>
-            <a:r>
-              <a:rPr lang="en-US" dirty="0" smtClean="0"/>
-              <a:t> </a:t>
-            </a:r>
-            <a:r>
-              <a:rPr lang="en-US" dirty="0" err="1" smtClean="0"/>
-              <a:t>apenas</a:t>
-            </a:r>
-            <a:r>
-              <a:rPr lang="en-US" dirty="0" smtClean="0"/>
-              <a:t> HTML e </a:t>
-            </a:r>
-            <a:r>
-              <a:rPr lang="en-US" dirty="0" err="1" smtClean="0"/>
-              <a:t>Javascript</a:t>
-            </a:r>
-            <a:endParaRPr lang="en-US" dirty="0" smtClean="0"/>
-          </a:p>
-          <a:p>
-            <a:pPr lvl="1"/>
-            <a:r>
-              <a:rPr lang="en-US" dirty="0" err="1" smtClean="0"/>
-              <a:t>Impedem</a:t>
-            </a:r>
-            <a:r>
-              <a:rPr lang="en-US" dirty="0" smtClean="0"/>
-              <a:t> </a:t>
-            </a:r>
-            <a:r>
-              <a:rPr lang="en-US" dirty="0" err="1" smtClean="0"/>
-              <a:t>que</a:t>
-            </a:r>
-            <a:r>
-              <a:rPr lang="en-US" dirty="0" smtClean="0"/>
-              <a:t> se </a:t>
-            </a:r>
-            <a:r>
-              <a:rPr lang="en-US" dirty="0" err="1" smtClean="0"/>
-              <a:t>estabeleça</a:t>
-            </a:r>
-            <a:r>
-              <a:rPr lang="en-US" dirty="0" smtClean="0"/>
-              <a:t> </a:t>
-            </a:r>
-            <a:r>
-              <a:rPr lang="en-US" dirty="0" err="1" smtClean="0"/>
-              <a:t>uma</a:t>
-            </a:r>
-            <a:r>
-              <a:rPr lang="en-US" dirty="0" smtClean="0"/>
-              <a:t> </a:t>
-            </a:r>
-            <a:r>
-              <a:rPr lang="en-US" dirty="0" err="1" smtClean="0"/>
-              <a:t>conexão</a:t>
-            </a:r>
-            <a:r>
-              <a:rPr lang="en-US" dirty="0" smtClean="0"/>
-              <a:t> </a:t>
-            </a:r>
-            <a:r>
-              <a:rPr lang="en-US" dirty="0" err="1" smtClean="0"/>
-              <a:t>usando</a:t>
-            </a:r>
-            <a:r>
-              <a:rPr lang="en-US" dirty="0" smtClean="0"/>
-              <a:t> </a:t>
-            </a:r>
-            <a:r>
-              <a:rPr lang="en-US" dirty="0" err="1" smtClean="0"/>
-              <a:t>HTTPcom</a:t>
-            </a:r>
-            <a:r>
-              <a:rPr lang="en-US" dirty="0" smtClean="0"/>
-              <a:t> forms </a:t>
-            </a:r>
-            <a:r>
-              <a:rPr lang="en-US" dirty="0" err="1" smtClean="0"/>
-              <a:t>ou</a:t>
-            </a:r>
-            <a:r>
-              <a:rPr lang="en-US" dirty="0" smtClean="0"/>
-              <a:t> XHR </a:t>
+              <a:rPr lang="pt-BR" dirty="0" smtClean="0"/>
+              <a:t>Quadros possuem tipos: binário, texto, ou controle</a:t>
             </a:r>
             <a:endParaRPr lang="pt-BR" dirty="0"/>
           </a:p>
@@ -6699,7 +7110,7 @@
     </p:spTree>
     <p:extLst>
       <p:ext uri="{BB962C8B-B14F-4D97-AF65-F5344CB8AC3E}">
-        <p14:creationId xmlns:p14="http://schemas.microsoft.com/office/powerpoint/2010/main" val="849902686"/>
+        <p14:creationId xmlns:p14="http://schemas.microsoft.com/office/powerpoint/2010/main" val="2036358507"/>
       </p:ext>
     </p:extLst>
   </p:cSld>
